--- a/network_monitor/netlink.pptx
+++ b/network_monitor/netlink.pptx
@@ -12,6 +12,9 @@
     <p:sldId id="261" r:id="rId6"/>
     <p:sldId id="262" r:id="rId7"/>
     <p:sldId id="263" r:id="rId8"/>
+    <p:sldId id="264" r:id="rId9"/>
+    <p:sldId id="265" r:id="rId10"/>
+    <p:sldId id="266" r:id="rId11"/>
   </p:sldIdLst>
   <p:sldSz cx="12192000" cy="6858000"/>
   <p:notesSz cx="6858000" cy="9144000"/>
@@ -110,6 +113,11 @@
       </a:defRPr>
     </a:lvl9pPr>
   </p:defaultTextStyle>
+  <p:extLst>
+    <p:ext uri="{EFAFB233-063F-42B5-8137-9DF3F51BA10A}">
+      <p15:sldGuideLst xmlns:p15="http://schemas.microsoft.com/office/powerpoint/2012/main"/>
+    </p:ext>
+  </p:extLst>
 </p:presentation>
 </file>
 
@@ -260,7 +268,7 @@
           <a:p>
             <a:fld id="{54E0DB81-608D-413B-ADCD-E118BC7A59DC}" type="datetimeFigureOut">
               <a:rPr lang="zh-TW" altLang="en-US" smtClean="0"/>
-              <a:t>2024/12/12</a:t>
+              <a:t>2024/12/13</a:t>
             </a:fld>
             <a:endParaRPr lang="zh-TW" altLang="en-US"/>
           </a:p>
@@ -458,7 +466,7 @@
           <a:p>
             <a:fld id="{54E0DB81-608D-413B-ADCD-E118BC7A59DC}" type="datetimeFigureOut">
               <a:rPr lang="zh-TW" altLang="en-US" smtClean="0"/>
-              <a:t>2024/12/12</a:t>
+              <a:t>2024/12/13</a:t>
             </a:fld>
             <a:endParaRPr lang="zh-TW" altLang="en-US"/>
           </a:p>
@@ -666,7 +674,7 @@
           <a:p>
             <a:fld id="{54E0DB81-608D-413B-ADCD-E118BC7A59DC}" type="datetimeFigureOut">
               <a:rPr lang="zh-TW" altLang="en-US" smtClean="0"/>
-              <a:t>2024/12/12</a:t>
+              <a:t>2024/12/13</a:t>
             </a:fld>
             <a:endParaRPr lang="zh-TW" altLang="en-US"/>
           </a:p>
@@ -864,7 +872,7 @@
           <a:p>
             <a:fld id="{54E0DB81-608D-413B-ADCD-E118BC7A59DC}" type="datetimeFigureOut">
               <a:rPr lang="zh-TW" altLang="en-US" smtClean="0"/>
-              <a:t>2024/12/12</a:t>
+              <a:t>2024/12/13</a:t>
             </a:fld>
             <a:endParaRPr lang="zh-TW" altLang="en-US"/>
           </a:p>
@@ -1139,7 +1147,7 @@
           <a:p>
             <a:fld id="{54E0DB81-608D-413B-ADCD-E118BC7A59DC}" type="datetimeFigureOut">
               <a:rPr lang="zh-TW" altLang="en-US" smtClean="0"/>
-              <a:t>2024/12/12</a:t>
+              <a:t>2024/12/13</a:t>
             </a:fld>
             <a:endParaRPr lang="zh-TW" altLang="en-US"/>
           </a:p>
@@ -1404,7 +1412,7 @@
           <a:p>
             <a:fld id="{54E0DB81-608D-413B-ADCD-E118BC7A59DC}" type="datetimeFigureOut">
               <a:rPr lang="zh-TW" altLang="en-US" smtClean="0"/>
-              <a:t>2024/12/12</a:t>
+              <a:t>2024/12/13</a:t>
             </a:fld>
             <a:endParaRPr lang="zh-TW" altLang="en-US"/>
           </a:p>
@@ -1816,7 +1824,7 @@
           <a:p>
             <a:fld id="{54E0DB81-608D-413B-ADCD-E118BC7A59DC}" type="datetimeFigureOut">
               <a:rPr lang="zh-TW" altLang="en-US" smtClean="0"/>
-              <a:t>2024/12/12</a:t>
+              <a:t>2024/12/13</a:t>
             </a:fld>
             <a:endParaRPr lang="zh-TW" altLang="en-US"/>
           </a:p>
@@ -1957,7 +1965,7 @@
           <a:p>
             <a:fld id="{54E0DB81-608D-413B-ADCD-E118BC7A59DC}" type="datetimeFigureOut">
               <a:rPr lang="zh-TW" altLang="en-US" smtClean="0"/>
-              <a:t>2024/12/12</a:t>
+              <a:t>2024/12/13</a:t>
             </a:fld>
             <a:endParaRPr lang="zh-TW" altLang="en-US"/>
           </a:p>
@@ -2070,7 +2078,7 @@
           <a:p>
             <a:fld id="{54E0DB81-608D-413B-ADCD-E118BC7A59DC}" type="datetimeFigureOut">
               <a:rPr lang="zh-TW" altLang="en-US" smtClean="0"/>
-              <a:t>2024/12/12</a:t>
+              <a:t>2024/12/13</a:t>
             </a:fld>
             <a:endParaRPr lang="zh-TW" altLang="en-US"/>
           </a:p>
@@ -2381,7 +2389,7 @@
           <a:p>
             <a:fld id="{54E0DB81-608D-413B-ADCD-E118BC7A59DC}" type="datetimeFigureOut">
               <a:rPr lang="zh-TW" altLang="en-US" smtClean="0"/>
-              <a:t>2024/12/12</a:t>
+              <a:t>2024/12/13</a:t>
             </a:fld>
             <a:endParaRPr lang="zh-TW" altLang="en-US"/>
           </a:p>
@@ -2669,7 +2677,7 @@
           <a:p>
             <a:fld id="{54E0DB81-608D-413B-ADCD-E118BC7A59DC}" type="datetimeFigureOut">
               <a:rPr lang="zh-TW" altLang="en-US" smtClean="0"/>
-              <a:t>2024/12/12</a:t>
+              <a:t>2024/12/13</a:t>
             </a:fld>
             <a:endParaRPr lang="zh-TW" altLang="en-US"/>
           </a:p>
@@ -2910,7 +2918,7 @@
           <a:p>
             <a:fld id="{54E0DB81-608D-413B-ADCD-E118BC7A59DC}" type="datetimeFigureOut">
               <a:rPr lang="zh-TW" altLang="en-US" smtClean="0"/>
-              <a:t>2024/12/12</a:t>
+              <a:t>2024/12/13</a:t>
             </a:fld>
             <a:endParaRPr lang="zh-TW" altLang="en-US"/>
           </a:p>
@@ -3481,6 +3489,86 @@
     <p:extLst>
       <p:ext uri="{BB962C8B-B14F-4D97-AF65-F5344CB8AC3E}">
         <p14:creationId xmlns:p14="http://schemas.microsoft.com/office/powerpoint/2010/main" val="2976444855"/>
+      </p:ext>
+    </p:extLst>
+  </p:cSld>
+  <p:clrMapOvr>
+    <a:masterClrMapping/>
+  </p:clrMapOvr>
+</p:sld>
+</file>
+
+<file path=ppt/slides/slide10.xml><?xml version="1.0" encoding="utf-8"?>
+<p:sld xmlns:a="http://schemas.openxmlformats.org/drawingml/2006/main" xmlns:r="http://schemas.openxmlformats.org/officeDocument/2006/relationships" xmlns:p="http://schemas.openxmlformats.org/presentationml/2006/main">
+  <p:cSld>
+    <p:spTree>
+      <p:nvGrpSpPr>
+        <p:cNvPr id="1" name=""/>
+        <p:cNvGrpSpPr/>
+        <p:nvPr/>
+      </p:nvGrpSpPr>
+      <p:grpSpPr>
+        <a:xfrm>
+          <a:off x="0" y="0"/>
+          <a:ext cx="0" cy="0"/>
+          <a:chOff x="0" y="0"/>
+          <a:chExt cx="0" cy="0"/>
+        </a:xfrm>
+      </p:grpSpPr>
+      <p:sp>
+        <p:nvSpPr>
+          <p:cNvPr id="2" name="標題 1">
+            <a:extLst>
+              <a:ext uri="{FF2B5EF4-FFF2-40B4-BE49-F238E27FC236}">
+                <a16:creationId xmlns:a16="http://schemas.microsoft.com/office/drawing/2014/main" id="{9CA55019-A958-4ACA-94B2-5FC253B9FF3E}"/>
+              </a:ext>
+            </a:extLst>
+          </p:cNvPr>
+          <p:cNvSpPr>
+            <a:spLocks noGrp="1"/>
+          </p:cNvSpPr>
+          <p:nvPr>
+            <p:ph type="title"/>
+          </p:nvPr>
+        </p:nvSpPr>
+        <p:spPr/>
+        <p:txBody>
+          <a:bodyPr/>
+          <a:lstStyle/>
+          <a:p>
+            <a:endParaRPr lang="zh-TW" altLang="en-US"/>
+          </a:p>
+        </p:txBody>
+      </p:sp>
+      <p:sp>
+        <p:nvSpPr>
+          <p:cNvPr id="3" name="內容版面配置區 2">
+            <a:extLst>
+              <a:ext uri="{FF2B5EF4-FFF2-40B4-BE49-F238E27FC236}">
+                <a16:creationId xmlns:a16="http://schemas.microsoft.com/office/drawing/2014/main" id="{4A517A9E-9D0C-4546-831A-A2CCA9C52E77}"/>
+              </a:ext>
+            </a:extLst>
+          </p:cNvPr>
+          <p:cNvSpPr>
+            <a:spLocks noGrp="1"/>
+          </p:cNvSpPr>
+          <p:nvPr>
+            <p:ph idx="1"/>
+          </p:nvPr>
+        </p:nvSpPr>
+        <p:spPr/>
+        <p:txBody>
+          <a:bodyPr/>
+          <a:lstStyle/>
+          <a:p>
+            <a:endParaRPr lang="zh-TW" altLang="en-US"/>
+          </a:p>
+        </p:txBody>
+      </p:sp>
+    </p:spTree>
+    <p:extLst>
+      <p:ext uri="{BB962C8B-B14F-4D97-AF65-F5344CB8AC3E}">
+        <p14:creationId xmlns:p14="http://schemas.microsoft.com/office/powerpoint/2010/main" val="1233674724"/>
       </p:ext>
     </p:extLst>
   </p:cSld>
@@ -4669,10 +4757,10 @@
       </p:sp>
       <p:pic>
         <p:nvPicPr>
-          <p:cNvPr id="12" name="內容版面配置區 6">
-            <a:extLst>
-              <a:ext uri="{FF2B5EF4-FFF2-40B4-BE49-F238E27FC236}">
-                <a16:creationId xmlns:a16="http://schemas.microsoft.com/office/drawing/2014/main" id="{30272B1D-5A27-4D56-B228-501D3B1E1ED8}"/>
+          <p:cNvPr id="4" name="圖片 3">
+            <a:extLst>
+              <a:ext uri="{FF2B5EF4-FFF2-40B4-BE49-F238E27FC236}">
+                <a16:creationId xmlns:a16="http://schemas.microsoft.com/office/drawing/2014/main" id="{69C567E8-0378-4296-97E0-DF4B40051310}"/>
               </a:ext>
             </a:extLst>
           </p:cNvPr>
@@ -4689,8 +4777,8 @@
         </p:blipFill>
         <p:spPr>
           <a:xfrm>
-            <a:off x="6935097" y="1325563"/>
-            <a:ext cx="3539832" cy="4940300"/>
+            <a:off x="7076928" y="1321845"/>
+            <a:ext cx="3809811" cy="5267318"/>
           </a:xfrm>
           <a:prstGeom prst="rect">
             <a:avLst/>
@@ -4964,11 +5052,10 @@
               <a:t>;      // </a:t>
             </a:r>
             <a:r>
-              <a:rPr lang="zh-CN" altLang="en-US" sz="1600" b="0" dirty="0">
-                <a:effectLst/>
-                <a:latin typeface="Consolas" panose="020B0609020204030204" pitchFamily="49" charset="0"/>
-              </a:rPr>
-              <a:t>端口號</a:t>
+              <a:rPr lang="zh-CN" altLang="en-US" sz="1600" dirty="0">
+                <a:latin typeface="Consolas" panose="020B0609020204030204" pitchFamily="49" charset="0"/>
+              </a:rPr>
+              <a:t>端口標識符，標識一個套接字</a:t>
             </a:r>
             <a:endParaRPr lang="zh-TW" altLang="en-US" sz="1600" b="0" dirty="0">
               <a:effectLst/>
@@ -5005,7 +5092,7 @@
               <a:rPr lang="zh-CN" altLang="en-US" sz="1600" dirty="0">
                 <a:latin typeface="Consolas" panose="020B0609020204030204" pitchFamily="49" charset="0"/>
               </a:rPr>
-              <a:t>多播組掩碼，指定指定进程感兴趣的多播组</a:t>
+              <a:t>多播組掩碼，指定进程感兴趣的多播组</a:t>
             </a:r>
             <a:endParaRPr lang="zh-TW" altLang="en-US" sz="1600" dirty="0">
               <a:latin typeface="Consolas" panose="020B0609020204030204" pitchFamily="49" charset="0"/>
@@ -5339,51 +5426,788 @@
       </p:grpSpPr>
       <p:sp>
         <p:nvSpPr>
-          <p:cNvPr id="2" name="標題 1">
-            <a:extLst>
-              <a:ext uri="{FF2B5EF4-FFF2-40B4-BE49-F238E27FC236}">
-                <a16:creationId xmlns:a16="http://schemas.microsoft.com/office/drawing/2014/main" id="{045E398A-B658-4E76-B451-D20055065C00}"/>
-              </a:ext>
-            </a:extLst>
-          </p:cNvPr>
-          <p:cNvSpPr>
-            <a:spLocks noGrp="1"/>
-          </p:cNvSpPr>
-          <p:nvPr>
-            <p:ph type="title"/>
-          </p:nvPr>
-        </p:nvSpPr>
-        <p:spPr/>
-        <p:txBody>
-          <a:bodyPr/>
+          <p:cNvPr id="3" name="內容版面配置區 2">
+            <a:extLst>
+              <a:ext uri="{FF2B5EF4-FFF2-40B4-BE49-F238E27FC236}">
+                <a16:creationId xmlns:a16="http://schemas.microsoft.com/office/drawing/2014/main" id="{E7EF7D03-2D35-4BD6-B0B7-FF415F86487D}"/>
+              </a:ext>
+            </a:extLst>
+          </p:cNvPr>
+          <p:cNvSpPr>
+            <a:spLocks noGrp="1"/>
+          </p:cNvSpPr>
+          <p:nvPr>
+            <p:ph idx="1"/>
+          </p:nvPr>
+        </p:nvSpPr>
+        <p:spPr>
+          <a:xfrm>
+            <a:off x="838199" y="408791"/>
+            <a:ext cx="10909151" cy="5768172"/>
+          </a:xfrm>
+        </p:spPr>
+        <p:txBody>
+          <a:bodyPr>
+            <a:normAutofit lnSpcReduction="10000"/>
+          </a:bodyPr>
           <a:lstStyle/>
           <a:p>
-            <a:endParaRPr lang="zh-TW" altLang="en-US"/>
-          </a:p>
-        </p:txBody>
-      </p:sp>
-      <p:sp>
-        <p:nvSpPr>
-          <p:cNvPr id="3" name="內容版面配置區 2">
-            <a:extLst>
-              <a:ext uri="{FF2B5EF4-FFF2-40B4-BE49-F238E27FC236}">
-                <a16:creationId xmlns:a16="http://schemas.microsoft.com/office/drawing/2014/main" id="{E7EF7D03-2D35-4BD6-B0B7-FF415F86487D}"/>
-              </a:ext>
-            </a:extLst>
-          </p:cNvPr>
-          <p:cNvSpPr>
-            <a:spLocks noGrp="1"/>
-          </p:cNvSpPr>
-          <p:nvPr>
-            <p:ph idx="1"/>
-          </p:nvPr>
-        </p:nvSpPr>
-        <p:spPr/>
-        <p:txBody>
-          <a:bodyPr/>
-          <a:lstStyle/>
-          <a:p>
-            <a:endParaRPr lang="zh-TW" altLang="en-US"/>
+            <a:pPr marL="0" indent="0">
+              <a:buNone/>
+            </a:pPr>
+            <a:r>
+              <a:rPr lang="en-US" altLang="zh-TW" dirty="0"/>
+              <a:t>2.N</a:t>
+            </a:r>
+            <a:r>
+              <a:rPr lang="en-US" altLang="zh-CN" dirty="0"/>
+              <a:t>etlink</a:t>
+            </a:r>
+            <a:r>
+              <a:rPr lang="zh-CN" altLang="en-US" dirty="0"/>
+              <a:t>消息头结构</a:t>
+            </a:r>
+            <a:endParaRPr lang="en-US" altLang="zh-CN" dirty="0"/>
+          </a:p>
+          <a:p>
+            <a:pPr marL="0" indent="0">
+              <a:lnSpc>
+                <a:spcPct val="80000"/>
+              </a:lnSpc>
+              <a:buNone/>
+            </a:pPr>
+            <a:r>
+              <a:rPr lang="en-US" altLang="zh-CN" sz="1600" dirty="0">
+                <a:latin typeface="Consolas" panose="020B0609020204030204" pitchFamily="49" charset="0"/>
+              </a:rPr>
+              <a:t>struct </a:t>
+            </a:r>
+            <a:r>
+              <a:rPr lang="en-US" altLang="zh-CN" sz="1600" dirty="0" err="1">
+                <a:latin typeface="Consolas" panose="020B0609020204030204" pitchFamily="49" charset="0"/>
+              </a:rPr>
+              <a:t>nlmsghdr</a:t>
+            </a:r>
+            <a:r>
+              <a:rPr lang="en-US" altLang="zh-CN" sz="1600" dirty="0">
+                <a:latin typeface="Consolas" panose="020B0609020204030204" pitchFamily="49" charset="0"/>
+              </a:rPr>
+              <a:t> {</a:t>
+            </a:r>
+          </a:p>
+          <a:p>
+            <a:pPr marL="0" indent="0">
+              <a:lnSpc>
+                <a:spcPct val="80000"/>
+              </a:lnSpc>
+              <a:buNone/>
+            </a:pPr>
+            <a:r>
+              <a:rPr lang="en-US" altLang="zh-CN" sz="1600" dirty="0">
+                <a:latin typeface="Consolas" panose="020B0609020204030204" pitchFamily="49" charset="0"/>
+              </a:rPr>
+              <a:t>    __u32 </a:t>
+            </a:r>
+            <a:r>
+              <a:rPr lang="en-US" altLang="zh-CN" sz="1600" dirty="0" err="1">
+                <a:latin typeface="Consolas" panose="020B0609020204030204" pitchFamily="49" charset="0"/>
+              </a:rPr>
+              <a:t>nlmsg_len</a:t>
+            </a:r>
+            <a:r>
+              <a:rPr lang="en-US" altLang="zh-CN" sz="1600" dirty="0">
+                <a:latin typeface="Consolas" panose="020B0609020204030204" pitchFamily="49" charset="0"/>
+              </a:rPr>
+              <a:t>;    // </a:t>
+            </a:r>
+            <a:r>
+              <a:rPr lang="zh-CN" altLang="en-US" sz="1600" dirty="0">
+                <a:latin typeface="Consolas" panose="020B0609020204030204" pitchFamily="49" charset="0"/>
+              </a:rPr>
+              <a:t>消息總長度，包含消息體</a:t>
+            </a:r>
+            <a:r>
+              <a:rPr lang="zh-TW" altLang="en-US" sz="1600" dirty="0">
+                <a:latin typeface="Consolas" panose="020B0609020204030204" pitchFamily="49" charset="0"/>
+              </a:rPr>
+              <a:t>    </a:t>
+            </a:r>
+            <a:endParaRPr lang="en-US" altLang="zh-TW" sz="1600" dirty="0">
+              <a:latin typeface="Consolas" panose="020B0609020204030204" pitchFamily="49" charset="0"/>
+            </a:endParaRPr>
+          </a:p>
+          <a:p>
+            <a:pPr marL="0" indent="0">
+              <a:lnSpc>
+                <a:spcPct val="80000"/>
+              </a:lnSpc>
+              <a:buNone/>
+            </a:pPr>
+            <a:r>
+              <a:rPr lang="en-US" altLang="zh-TW" sz="1600" dirty="0">
+                <a:latin typeface="Consolas" panose="020B0609020204030204" pitchFamily="49" charset="0"/>
+              </a:rPr>
+              <a:t>    __</a:t>
+            </a:r>
+            <a:r>
+              <a:rPr lang="en-US" altLang="zh-CN" sz="1600" dirty="0">
+                <a:latin typeface="Consolas" panose="020B0609020204030204" pitchFamily="49" charset="0"/>
+              </a:rPr>
+              <a:t>u16 </a:t>
+            </a:r>
+            <a:r>
+              <a:rPr lang="en-US" altLang="zh-CN" sz="1600" dirty="0" err="1">
+                <a:latin typeface="Consolas" panose="020B0609020204030204" pitchFamily="49" charset="0"/>
+              </a:rPr>
+              <a:t>nlmsg_type</a:t>
+            </a:r>
+            <a:r>
+              <a:rPr lang="en-US" altLang="zh-CN" sz="1600" dirty="0">
+                <a:latin typeface="Consolas" panose="020B0609020204030204" pitchFamily="49" charset="0"/>
+              </a:rPr>
+              <a:t>;   // </a:t>
+            </a:r>
+            <a:r>
+              <a:rPr lang="zh-CN" altLang="en-US" sz="1600" dirty="0">
+                <a:latin typeface="Consolas" panose="020B0609020204030204" pitchFamily="49" charset="0"/>
+              </a:rPr>
+              <a:t>消息類型</a:t>
+            </a:r>
+            <a:r>
+              <a:rPr lang="en-US" altLang="zh-TW" sz="1600" dirty="0">
+                <a:latin typeface="Consolas" panose="020B0609020204030204" pitchFamily="49" charset="0"/>
+              </a:rPr>
+              <a:t>(</a:t>
+            </a:r>
+            <a:r>
+              <a:rPr lang="zh-TW" altLang="en-US" sz="1600" dirty="0">
+                <a:latin typeface="Consolas" panose="020B0609020204030204" pitchFamily="49" charset="0"/>
+              </a:rPr>
+              <a:t>如 </a:t>
+            </a:r>
+            <a:r>
+              <a:rPr lang="en-US" altLang="zh-CN" sz="1600" dirty="0">
+                <a:latin typeface="Consolas" panose="020B0609020204030204" pitchFamily="49" charset="0"/>
+              </a:rPr>
+              <a:t>RTM_NEWLINK</a:t>
+            </a:r>
+            <a:r>
+              <a:rPr lang="zh-CN" altLang="en-US" sz="1600" dirty="0">
+                <a:latin typeface="Consolas" panose="020B0609020204030204" pitchFamily="49" charset="0"/>
+              </a:rPr>
+              <a:t>：網絡接口狀態變化</a:t>
+            </a:r>
+            <a:r>
+              <a:rPr lang="en-US" altLang="zh-CN" sz="1600" dirty="0">
+                <a:latin typeface="Consolas" panose="020B0609020204030204" pitchFamily="49" charset="0"/>
+              </a:rPr>
+              <a:t>)</a:t>
+            </a:r>
+          </a:p>
+          <a:p>
+            <a:pPr marL="0" indent="0">
+              <a:lnSpc>
+                <a:spcPct val="80000"/>
+              </a:lnSpc>
+              <a:buNone/>
+            </a:pPr>
+            <a:r>
+              <a:rPr lang="en-US" altLang="zh-CN" sz="1600" dirty="0">
+                <a:latin typeface="Consolas" panose="020B0609020204030204" pitchFamily="49" charset="0"/>
+              </a:rPr>
+              <a:t>    __u16 </a:t>
+            </a:r>
+            <a:r>
+              <a:rPr lang="en-US" altLang="zh-CN" sz="1600" dirty="0" err="1">
+                <a:latin typeface="Consolas" panose="020B0609020204030204" pitchFamily="49" charset="0"/>
+              </a:rPr>
+              <a:t>nlmsg_flags</a:t>
+            </a:r>
+            <a:r>
+              <a:rPr lang="en-US" altLang="zh-CN" sz="1600" dirty="0">
+                <a:latin typeface="Consolas" panose="020B0609020204030204" pitchFamily="49" charset="0"/>
+              </a:rPr>
+              <a:t>;  // </a:t>
+            </a:r>
+            <a:r>
+              <a:rPr lang="zh-CN" altLang="en-US" sz="1600" dirty="0">
+                <a:latin typeface="Consolas" panose="020B0609020204030204" pitchFamily="49" charset="0"/>
+              </a:rPr>
+              <a:t>消息標誌</a:t>
+            </a:r>
+            <a:r>
+              <a:rPr lang="en-US" altLang="zh-CN" sz="1600" dirty="0">
+                <a:latin typeface="Consolas" panose="020B0609020204030204" pitchFamily="49" charset="0"/>
+              </a:rPr>
+              <a:t>,</a:t>
+            </a:r>
+            <a:r>
+              <a:rPr lang="zh-CN" altLang="en-US" sz="1600" dirty="0">
+                <a:latin typeface="Consolas" panose="020B0609020204030204" pitchFamily="49" charset="0"/>
+              </a:rPr>
+              <a:t>如 </a:t>
+            </a:r>
+            <a:r>
+              <a:rPr lang="en-US" altLang="zh-CN" sz="1600" dirty="0">
+                <a:latin typeface="Consolas" panose="020B0609020204030204" pitchFamily="49" charset="0"/>
+              </a:rPr>
+              <a:t>NLM_F_REQUEST(</a:t>
+            </a:r>
+            <a:r>
+              <a:rPr lang="zh-CN" altLang="en-US" sz="1600" dirty="0">
+                <a:latin typeface="Consolas" panose="020B0609020204030204" pitchFamily="49" charset="0"/>
+              </a:rPr>
+              <a:t>請求標準</a:t>
+            </a:r>
+            <a:r>
+              <a:rPr lang="en-US" altLang="zh-CN" sz="1600" dirty="0">
+                <a:latin typeface="Consolas" panose="020B0609020204030204" pitchFamily="49" charset="0"/>
+              </a:rPr>
+              <a:t>)</a:t>
+            </a:r>
+            <a:r>
+              <a:rPr lang="zh-CN" altLang="en-US" sz="1600" dirty="0">
+                <a:latin typeface="Consolas" panose="020B0609020204030204" pitchFamily="49" charset="0"/>
+              </a:rPr>
+              <a:t>、</a:t>
+            </a:r>
+            <a:r>
+              <a:rPr lang="en-US" altLang="zh-CN" sz="1600" dirty="0">
+                <a:latin typeface="Consolas" panose="020B0609020204030204" pitchFamily="49" charset="0"/>
+              </a:rPr>
+              <a:t>NLM_F_ACK(</a:t>
+            </a:r>
+            <a:r>
+              <a:rPr lang="zh-CN" altLang="en-US" sz="1600" dirty="0">
+                <a:latin typeface="Consolas" panose="020B0609020204030204" pitchFamily="49" charset="0"/>
+              </a:rPr>
+              <a:t>需要確認標準）</a:t>
+            </a:r>
+            <a:endParaRPr lang="en-US" altLang="zh-CN" sz="1600" dirty="0">
+              <a:latin typeface="Consolas" panose="020B0609020204030204" pitchFamily="49" charset="0"/>
+            </a:endParaRPr>
+          </a:p>
+          <a:p>
+            <a:pPr marL="0" indent="0">
+              <a:lnSpc>
+                <a:spcPct val="80000"/>
+              </a:lnSpc>
+              <a:buNone/>
+            </a:pPr>
+            <a:r>
+              <a:rPr lang="zh-TW" altLang="en-US" sz="1600" dirty="0">
+                <a:latin typeface="Consolas" panose="020B0609020204030204" pitchFamily="49" charset="0"/>
+              </a:rPr>
+              <a:t>    </a:t>
+            </a:r>
+            <a:r>
+              <a:rPr lang="en-US" altLang="zh-TW" sz="1600" dirty="0">
+                <a:latin typeface="Consolas" panose="020B0609020204030204" pitchFamily="49" charset="0"/>
+              </a:rPr>
+              <a:t>__</a:t>
+            </a:r>
+            <a:r>
+              <a:rPr lang="en-US" altLang="zh-CN" sz="1600" dirty="0">
+                <a:latin typeface="Consolas" panose="020B0609020204030204" pitchFamily="49" charset="0"/>
+              </a:rPr>
+              <a:t>u32 </a:t>
+            </a:r>
+            <a:r>
+              <a:rPr lang="en-US" altLang="zh-CN" sz="1600" dirty="0" err="1">
+                <a:latin typeface="Consolas" panose="020B0609020204030204" pitchFamily="49" charset="0"/>
+              </a:rPr>
+              <a:t>nlmsg_seq</a:t>
+            </a:r>
+            <a:r>
+              <a:rPr lang="en-US" altLang="zh-CN" sz="1600" dirty="0">
+                <a:latin typeface="Consolas" panose="020B0609020204030204" pitchFamily="49" charset="0"/>
+              </a:rPr>
+              <a:t>;    // </a:t>
+            </a:r>
+            <a:r>
+              <a:rPr lang="zh-CN" altLang="en-US" sz="1600" dirty="0">
+                <a:latin typeface="Consolas" panose="020B0609020204030204" pitchFamily="49" charset="0"/>
+              </a:rPr>
+              <a:t>序列號，</a:t>
+            </a:r>
+            <a:r>
+              <a:rPr lang="zh-TW" altLang="en-US" sz="1600" dirty="0">
+                <a:latin typeface="Consolas" panose="020B0609020204030204" pitchFamily="49" charset="0"/>
+              </a:rPr>
+              <a:t>用於匹配請求和響應消息，確保消息的順序和完整性 </a:t>
+            </a:r>
+            <a:endParaRPr lang="en-US" altLang="zh-TW" sz="1600" dirty="0">
+              <a:latin typeface="Consolas" panose="020B0609020204030204" pitchFamily="49" charset="0"/>
+            </a:endParaRPr>
+          </a:p>
+          <a:p>
+            <a:pPr marL="0" indent="0">
+              <a:lnSpc>
+                <a:spcPct val="80000"/>
+              </a:lnSpc>
+              <a:buNone/>
+            </a:pPr>
+            <a:r>
+              <a:rPr lang="en-US" altLang="zh-TW" sz="1600" dirty="0">
+                <a:latin typeface="Consolas" panose="020B0609020204030204" pitchFamily="49" charset="0"/>
+              </a:rPr>
+              <a:t>    __</a:t>
+            </a:r>
+            <a:r>
+              <a:rPr lang="en-US" altLang="zh-CN" sz="1600" dirty="0">
+                <a:latin typeface="Consolas" panose="020B0609020204030204" pitchFamily="49" charset="0"/>
+              </a:rPr>
+              <a:t>u32 </a:t>
+            </a:r>
+            <a:r>
+              <a:rPr lang="en-US" altLang="zh-CN" sz="1600" dirty="0" err="1">
+                <a:latin typeface="Consolas" panose="020B0609020204030204" pitchFamily="49" charset="0"/>
+              </a:rPr>
+              <a:t>nlmsg_pid</a:t>
+            </a:r>
+            <a:r>
+              <a:rPr lang="en-US" altLang="zh-CN" sz="1600" dirty="0">
+                <a:latin typeface="Consolas" panose="020B0609020204030204" pitchFamily="49" charset="0"/>
+              </a:rPr>
+              <a:t>;    // </a:t>
+            </a:r>
+            <a:r>
+              <a:rPr lang="zh-CN" altLang="en-US" sz="1600" dirty="0">
+                <a:latin typeface="Consolas" panose="020B0609020204030204" pitchFamily="49" charset="0"/>
+              </a:rPr>
+              <a:t>發送端口</a:t>
+            </a:r>
+            <a:r>
+              <a:rPr lang="en-US" altLang="zh-CN" sz="1600" dirty="0">
+                <a:latin typeface="Consolas" panose="020B0609020204030204" pitchFamily="49" charset="0"/>
+              </a:rPr>
+              <a:t>ID</a:t>
+            </a:r>
+            <a:r>
+              <a:rPr lang="zh-CN" altLang="en-US" sz="1600" dirty="0">
+                <a:latin typeface="Consolas" panose="020B0609020204030204" pitchFamily="49" charset="0"/>
+              </a:rPr>
+              <a:t>，為</a:t>
+            </a:r>
+            <a:r>
+              <a:rPr lang="en-US" altLang="zh-CN" sz="1600" dirty="0">
+                <a:latin typeface="Consolas" panose="020B0609020204030204" pitchFamily="49" charset="0"/>
+              </a:rPr>
+              <a:t>0</a:t>
+            </a:r>
+            <a:r>
+              <a:rPr lang="zh-CN" altLang="en-US" sz="1600" dirty="0">
+                <a:latin typeface="Consolas" panose="020B0609020204030204" pitchFamily="49" charset="0"/>
+              </a:rPr>
+              <a:t>時代表來自內核消息</a:t>
+            </a:r>
+            <a:endParaRPr lang="en-US" altLang="zh-CN" sz="1600" dirty="0">
+              <a:latin typeface="Consolas" panose="020B0609020204030204" pitchFamily="49" charset="0"/>
+            </a:endParaRPr>
+          </a:p>
+          <a:p>
+            <a:pPr marL="0" indent="0">
+              <a:lnSpc>
+                <a:spcPct val="80000"/>
+              </a:lnSpc>
+              <a:buNone/>
+            </a:pPr>
+            <a:r>
+              <a:rPr lang="en-US" altLang="zh-CN" sz="1600" dirty="0">
+                <a:latin typeface="Consolas" panose="020B0609020204030204" pitchFamily="49" charset="0"/>
+              </a:rPr>
+              <a:t>};</a:t>
+            </a:r>
+          </a:p>
+          <a:p>
+            <a:pPr marL="0" indent="0">
+              <a:lnSpc>
+                <a:spcPct val="100000"/>
+              </a:lnSpc>
+              <a:buNone/>
+            </a:pPr>
+            <a:r>
+              <a:rPr lang="en-US" altLang="zh-TW" dirty="0"/>
+              <a:t>3.N</a:t>
+            </a:r>
+            <a:r>
+              <a:rPr lang="en-US" altLang="zh-CN" dirty="0"/>
+              <a:t>etlink</a:t>
+            </a:r>
+            <a:r>
+              <a:rPr lang="zh-CN" altLang="en-US" dirty="0"/>
+              <a:t>消息體結構</a:t>
+            </a:r>
+            <a:endParaRPr lang="en-US" altLang="zh-CN" dirty="0"/>
+          </a:p>
+          <a:p>
+            <a:pPr marL="0" indent="0">
+              <a:lnSpc>
+                <a:spcPct val="80000"/>
+              </a:lnSpc>
+              <a:buNone/>
+            </a:pPr>
+            <a:r>
+              <a:rPr lang="en-US" altLang="zh-TW" sz="1500" dirty="0">
+                <a:latin typeface="Consolas" panose="020B0609020204030204" pitchFamily="49" charset="0"/>
+              </a:rPr>
+              <a:t>// </a:t>
+            </a:r>
+            <a:r>
+              <a:rPr lang="zh-TW" altLang="en-US" sz="1500" dirty="0">
+                <a:latin typeface="Consolas" panose="020B0609020204030204" pitchFamily="49" charset="0"/>
+              </a:rPr>
+              <a:t>网络接口信息</a:t>
+            </a:r>
+          </a:p>
+          <a:p>
+            <a:pPr marL="0" indent="0">
+              <a:lnSpc>
+                <a:spcPct val="80000"/>
+              </a:lnSpc>
+              <a:buNone/>
+            </a:pPr>
+            <a:r>
+              <a:rPr lang="en-US" altLang="zh-TW" sz="1600" dirty="0">
+                <a:latin typeface="Consolas" panose="020B0609020204030204" pitchFamily="49" charset="0"/>
+              </a:rPr>
+              <a:t>struct </a:t>
+            </a:r>
+            <a:r>
+              <a:rPr lang="en-US" altLang="zh-TW" sz="1600" dirty="0" err="1">
+                <a:latin typeface="Consolas" panose="020B0609020204030204" pitchFamily="49" charset="0"/>
+              </a:rPr>
+              <a:t>ifinfomsg</a:t>
+            </a:r>
+            <a:r>
+              <a:rPr lang="en-US" altLang="zh-TW" sz="1600" dirty="0">
+                <a:latin typeface="Consolas" panose="020B0609020204030204" pitchFamily="49" charset="0"/>
+              </a:rPr>
+              <a:t> {</a:t>
+            </a:r>
+          </a:p>
+          <a:p>
+            <a:pPr marL="0" indent="0">
+              <a:lnSpc>
+                <a:spcPct val="80000"/>
+              </a:lnSpc>
+              <a:buNone/>
+            </a:pPr>
+            <a:r>
+              <a:rPr lang="en-US" altLang="zh-TW" sz="1600" dirty="0">
+                <a:latin typeface="Consolas" panose="020B0609020204030204" pitchFamily="49" charset="0"/>
+              </a:rPr>
+              <a:t>    unsigned char  </a:t>
+            </a:r>
+            <a:r>
+              <a:rPr lang="en-US" altLang="zh-TW" sz="1600" dirty="0" err="1">
+                <a:latin typeface="Consolas" panose="020B0609020204030204" pitchFamily="49" charset="0"/>
+              </a:rPr>
+              <a:t>ifi_family</a:t>
+            </a:r>
+            <a:r>
+              <a:rPr lang="en-US" altLang="zh-TW" sz="1600" dirty="0">
+                <a:latin typeface="Consolas" panose="020B0609020204030204" pitchFamily="49" charset="0"/>
+              </a:rPr>
+              <a:t>;   // </a:t>
+            </a:r>
+            <a:r>
+              <a:rPr lang="zh-TW" altLang="en-US" sz="1600" dirty="0">
+                <a:latin typeface="Consolas" panose="020B0609020204030204" pitchFamily="49" charset="0"/>
+              </a:rPr>
+              <a:t>地址</a:t>
+            </a:r>
+            <a:r>
+              <a:rPr lang="zh-CN" altLang="en-US" sz="1600" dirty="0">
+                <a:latin typeface="Consolas" panose="020B0609020204030204" pitchFamily="49" charset="0"/>
+              </a:rPr>
+              <a:t>簇</a:t>
+            </a:r>
+            <a:endParaRPr lang="zh-TW" altLang="en-US" sz="1600" dirty="0">
+              <a:latin typeface="Consolas" panose="020B0609020204030204" pitchFamily="49" charset="0"/>
+            </a:endParaRPr>
+          </a:p>
+          <a:p>
+            <a:pPr marL="0" indent="0">
+              <a:lnSpc>
+                <a:spcPct val="80000"/>
+              </a:lnSpc>
+              <a:buNone/>
+            </a:pPr>
+            <a:r>
+              <a:rPr lang="zh-TW" altLang="en-US" sz="1600" dirty="0">
+                <a:latin typeface="Consolas" panose="020B0609020204030204" pitchFamily="49" charset="0"/>
+              </a:rPr>
+              <a:t>    </a:t>
+            </a:r>
+            <a:r>
+              <a:rPr lang="en-US" altLang="zh-TW" sz="1600" dirty="0">
+                <a:latin typeface="Consolas" panose="020B0609020204030204" pitchFamily="49" charset="0"/>
+              </a:rPr>
+              <a:t>unsigned char  __</a:t>
+            </a:r>
+            <a:r>
+              <a:rPr lang="en-US" altLang="zh-TW" sz="1600" dirty="0" err="1">
+                <a:latin typeface="Consolas" panose="020B0609020204030204" pitchFamily="49" charset="0"/>
+              </a:rPr>
+              <a:t>ifi_pad</a:t>
+            </a:r>
+            <a:r>
+              <a:rPr lang="en-US" altLang="zh-TW" sz="1600" dirty="0">
+                <a:latin typeface="Consolas" panose="020B0609020204030204" pitchFamily="49" charset="0"/>
+              </a:rPr>
+              <a:t>;    // </a:t>
+            </a:r>
+            <a:r>
+              <a:rPr lang="zh-TW" altLang="en-US" sz="1600" dirty="0">
+                <a:latin typeface="Consolas" panose="020B0609020204030204" pitchFamily="49" charset="0"/>
+              </a:rPr>
+              <a:t>填充</a:t>
+            </a:r>
+            <a:r>
+              <a:rPr lang="zh-CN" altLang="en-US" sz="1600" dirty="0">
+                <a:latin typeface="Consolas" panose="020B0609020204030204" pitchFamily="49" charset="0"/>
+              </a:rPr>
+              <a:t>字段，保留未用</a:t>
+            </a:r>
+            <a:endParaRPr lang="zh-TW" altLang="en-US" sz="1600" dirty="0">
+              <a:latin typeface="Consolas" panose="020B0609020204030204" pitchFamily="49" charset="0"/>
+            </a:endParaRPr>
+          </a:p>
+          <a:p>
+            <a:pPr marL="0" indent="0">
+              <a:lnSpc>
+                <a:spcPct val="80000"/>
+              </a:lnSpc>
+              <a:buNone/>
+            </a:pPr>
+            <a:r>
+              <a:rPr lang="zh-TW" altLang="en-US" sz="1600" dirty="0">
+                <a:latin typeface="Consolas" panose="020B0609020204030204" pitchFamily="49" charset="0"/>
+              </a:rPr>
+              <a:t>    </a:t>
+            </a:r>
+            <a:r>
+              <a:rPr lang="en-US" altLang="zh-TW" sz="1600" dirty="0">
+                <a:latin typeface="Consolas" panose="020B0609020204030204" pitchFamily="49" charset="0"/>
+              </a:rPr>
+              <a:t>unsigned short </a:t>
+            </a:r>
+            <a:r>
+              <a:rPr lang="en-US" altLang="zh-TW" sz="1600" dirty="0" err="1">
+                <a:latin typeface="Consolas" panose="020B0609020204030204" pitchFamily="49" charset="0"/>
+              </a:rPr>
+              <a:t>ifi_type</a:t>
+            </a:r>
+            <a:r>
+              <a:rPr lang="en-US" altLang="zh-TW" sz="1600" dirty="0">
+                <a:latin typeface="Consolas" panose="020B0609020204030204" pitchFamily="49" charset="0"/>
+              </a:rPr>
+              <a:t>;     // </a:t>
+            </a:r>
+            <a:r>
+              <a:rPr lang="zh-CN" altLang="en-US" sz="1600" dirty="0">
+                <a:latin typeface="Consolas" panose="020B0609020204030204" pitchFamily="49" charset="0"/>
+              </a:rPr>
+              <a:t>網絡接口類型</a:t>
+            </a:r>
+            <a:r>
+              <a:rPr lang="zh-TW" altLang="en-US" sz="1600" dirty="0">
+                <a:latin typeface="Consolas" panose="020B0609020204030204" pitchFamily="49" charset="0"/>
+              </a:rPr>
+              <a:t>    </a:t>
+            </a:r>
+            <a:endParaRPr lang="en-US" altLang="zh-TW" sz="1600" dirty="0">
+              <a:latin typeface="Consolas" panose="020B0609020204030204" pitchFamily="49" charset="0"/>
+            </a:endParaRPr>
+          </a:p>
+          <a:p>
+            <a:pPr marL="0" indent="0">
+              <a:lnSpc>
+                <a:spcPct val="80000"/>
+              </a:lnSpc>
+              <a:buNone/>
+            </a:pPr>
+            <a:r>
+              <a:rPr lang="en-US" altLang="zh-TW" sz="1600" dirty="0">
+                <a:latin typeface="Consolas" panose="020B0609020204030204" pitchFamily="49" charset="0"/>
+              </a:rPr>
+              <a:t>    int           </a:t>
+            </a:r>
+            <a:r>
+              <a:rPr lang="en-US" altLang="zh-TW" sz="1600" dirty="0" err="1">
+                <a:latin typeface="Consolas" panose="020B0609020204030204" pitchFamily="49" charset="0"/>
+              </a:rPr>
+              <a:t>ifi_index</a:t>
+            </a:r>
+            <a:r>
+              <a:rPr lang="en-US" altLang="zh-TW" sz="1600" dirty="0">
+                <a:latin typeface="Consolas" panose="020B0609020204030204" pitchFamily="49" charset="0"/>
+              </a:rPr>
+              <a:t>;     // </a:t>
+            </a:r>
+            <a:r>
+              <a:rPr lang="zh-CN" altLang="en-US" sz="1600" dirty="0">
+                <a:latin typeface="Consolas" panose="020B0609020204030204" pitchFamily="49" charset="0"/>
+              </a:rPr>
+              <a:t>網絡</a:t>
+            </a:r>
+            <a:r>
+              <a:rPr lang="zh-TW" altLang="en-US" sz="1600" dirty="0">
+                <a:latin typeface="Consolas" panose="020B0609020204030204" pitchFamily="49" charset="0"/>
+              </a:rPr>
+              <a:t>接口索引</a:t>
+            </a:r>
+            <a:r>
+              <a:rPr lang="zh-CN" altLang="en-US" sz="1600" dirty="0">
+                <a:latin typeface="Consolas" panose="020B0609020204030204" pitchFamily="49" charset="0"/>
+              </a:rPr>
+              <a:t>號</a:t>
+            </a:r>
+            <a:endParaRPr lang="zh-TW" altLang="en-US" sz="1600" dirty="0">
+              <a:latin typeface="Consolas" panose="020B0609020204030204" pitchFamily="49" charset="0"/>
+            </a:endParaRPr>
+          </a:p>
+          <a:p>
+            <a:pPr marL="0" indent="0">
+              <a:lnSpc>
+                <a:spcPct val="80000"/>
+              </a:lnSpc>
+              <a:buNone/>
+            </a:pPr>
+            <a:r>
+              <a:rPr lang="zh-TW" altLang="en-US" sz="1600" dirty="0">
+                <a:latin typeface="Consolas" panose="020B0609020204030204" pitchFamily="49" charset="0"/>
+              </a:rPr>
+              <a:t>    </a:t>
+            </a:r>
+            <a:r>
+              <a:rPr lang="en-US" altLang="zh-TW" sz="1600" dirty="0">
+                <a:latin typeface="Consolas" panose="020B0609020204030204" pitchFamily="49" charset="0"/>
+              </a:rPr>
+              <a:t>unsigned int   </a:t>
+            </a:r>
+            <a:r>
+              <a:rPr lang="en-US" altLang="zh-TW" sz="1600" dirty="0" err="1">
+                <a:latin typeface="Consolas" panose="020B0609020204030204" pitchFamily="49" charset="0"/>
+              </a:rPr>
+              <a:t>ifi_flags</a:t>
+            </a:r>
+            <a:r>
+              <a:rPr lang="en-US" altLang="zh-TW" sz="1600" dirty="0">
+                <a:latin typeface="Consolas" panose="020B0609020204030204" pitchFamily="49" charset="0"/>
+              </a:rPr>
+              <a:t>;    // </a:t>
+            </a:r>
+            <a:r>
+              <a:rPr lang="zh-CN" altLang="en-US" sz="1600" dirty="0">
+                <a:latin typeface="Consolas" panose="020B0609020204030204" pitchFamily="49" charset="0"/>
+              </a:rPr>
+              <a:t>網絡</a:t>
+            </a:r>
+            <a:r>
+              <a:rPr lang="zh-TW" altLang="en-US" sz="1600" dirty="0">
+                <a:latin typeface="Consolas" panose="020B0609020204030204" pitchFamily="49" charset="0"/>
+              </a:rPr>
+              <a:t>接口标志</a:t>
+            </a:r>
+            <a:r>
+              <a:rPr lang="zh-CN" altLang="en-US" sz="1600" dirty="0">
+                <a:latin typeface="Consolas" panose="020B0609020204030204" pitchFamily="49" charset="0"/>
+              </a:rPr>
+              <a:t>。</a:t>
+            </a:r>
+            <a:r>
+              <a:rPr lang="en-US" altLang="zh-CN" sz="1600" dirty="0">
+                <a:latin typeface="Consolas" panose="020B0609020204030204" pitchFamily="49" charset="0"/>
+              </a:rPr>
+              <a:t>IFF_LOWER_UP(</a:t>
+            </a:r>
+            <a:r>
+              <a:rPr lang="zh-CN" altLang="en-US" sz="1600" dirty="0">
+                <a:latin typeface="Consolas" panose="020B0609020204030204" pitchFamily="49" charset="0"/>
+              </a:rPr>
+              <a:t>物理層網線已連接，基於</a:t>
+            </a:r>
+            <a:r>
+              <a:rPr lang="en-US" altLang="zh-CN" sz="1600" dirty="0">
+                <a:latin typeface="Consolas" panose="020B0609020204030204" pitchFamily="49" charset="0"/>
+              </a:rPr>
+              <a:t>carrier</a:t>
+            </a:r>
+            <a:r>
+              <a:rPr lang="zh-CN" altLang="en-US" sz="1600" dirty="0">
+                <a:latin typeface="Consolas" panose="020B0609020204030204" pitchFamily="49" charset="0"/>
+              </a:rPr>
+              <a:t>狀態設置）</a:t>
+            </a:r>
+            <a:endParaRPr lang="zh-TW" altLang="en-US" sz="1600" dirty="0">
+              <a:latin typeface="Consolas" panose="020B0609020204030204" pitchFamily="49" charset="0"/>
+            </a:endParaRPr>
+          </a:p>
+          <a:p>
+            <a:pPr marL="0" indent="0">
+              <a:lnSpc>
+                <a:spcPct val="80000"/>
+              </a:lnSpc>
+              <a:buNone/>
+            </a:pPr>
+            <a:r>
+              <a:rPr lang="zh-TW" altLang="en-US" sz="1600" dirty="0">
+                <a:latin typeface="Consolas" panose="020B0609020204030204" pitchFamily="49" charset="0"/>
+              </a:rPr>
+              <a:t>    </a:t>
+            </a:r>
+            <a:r>
+              <a:rPr lang="en-US" altLang="zh-TW" sz="1600" dirty="0">
+                <a:latin typeface="Consolas" panose="020B0609020204030204" pitchFamily="49" charset="0"/>
+              </a:rPr>
+              <a:t>unsigned int   </a:t>
+            </a:r>
+            <a:r>
+              <a:rPr lang="en-US" altLang="zh-TW" sz="1600" dirty="0" err="1">
+                <a:latin typeface="Consolas" panose="020B0609020204030204" pitchFamily="49" charset="0"/>
+              </a:rPr>
+              <a:t>ifi_change</a:t>
+            </a:r>
+            <a:r>
+              <a:rPr lang="en-US" altLang="zh-TW" sz="1600" dirty="0">
+                <a:latin typeface="Consolas" panose="020B0609020204030204" pitchFamily="49" charset="0"/>
+              </a:rPr>
+              <a:t>;   // </a:t>
+            </a:r>
+            <a:r>
+              <a:rPr lang="zh-TW" altLang="en-US" sz="1600" dirty="0">
+                <a:latin typeface="Consolas" panose="020B0609020204030204" pitchFamily="49" charset="0"/>
+              </a:rPr>
+              <a:t>变化掩码</a:t>
+            </a:r>
+          </a:p>
+          <a:p>
+            <a:pPr marL="0" indent="0">
+              <a:lnSpc>
+                <a:spcPct val="80000"/>
+              </a:lnSpc>
+              <a:buNone/>
+            </a:pPr>
+            <a:r>
+              <a:rPr lang="en-US" altLang="zh-TW" sz="1600" dirty="0">
+                <a:latin typeface="Consolas" panose="020B0609020204030204" pitchFamily="49" charset="0"/>
+              </a:rPr>
+              <a:t>};</a:t>
+            </a:r>
+          </a:p>
+          <a:p>
+            <a:pPr marL="0" indent="0">
+              <a:buNone/>
+            </a:pPr>
+            <a:endParaRPr lang="en-US" altLang="zh-CN" sz="1600" dirty="0"/>
+          </a:p>
+          <a:p>
+            <a:pPr marL="0" indent="0">
+              <a:buNone/>
+            </a:pPr>
+            <a:endParaRPr lang="zh-TW" altLang="en-US" dirty="0"/>
           </a:p>
         </p:txBody>
       </p:sp>
@@ -5433,12 +6257,23 @@
             <p:ph type="title"/>
           </p:nvPr>
         </p:nvSpPr>
-        <p:spPr/>
-        <p:txBody>
-          <a:bodyPr/>
+        <p:spPr>
+          <a:xfrm>
+            <a:off x="623047" y="0"/>
+            <a:ext cx="10515600" cy="1325563"/>
+          </a:xfrm>
+        </p:spPr>
+        <p:txBody>
+          <a:bodyPr>
+            <a:normAutofit/>
+          </a:bodyPr>
           <a:lstStyle/>
           <a:p>
-            <a:endParaRPr lang="zh-TW" altLang="en-US"/>
+            <a:r>
+              <a:rPr lang="zh-CN" altLang="en-US" sz="4000" dirty="0"/>
+              <a:t>實現步驟</a:t>
+            </a:r>
+            <a:endParaRPr lang="zh-TW" altLang="en-US" sz="4000" dirty="0"/>
           </a:p>
         </p:txBody>
       </p:sp>
@@ -5458,12 +6293,425 @@
             <p:ph idx="1"/>
           </p:nvPr>
         </p:nvSpPr>
-        <p:spPr/>
-        <p:txBody>
-          <a:bodyPr/>
+        <p:spPr>
+          <a:xfrm>
+            <a:off x="731520" y="1118794"/>
+            <a:ext cx="10622280" cy="5174429"/>
+          </a:xfrm>
+        </p:spPr>
+        <p:txBody>
+          <a:bodyPr>
+            <a:normAutofit fontScale="92500" lnSpcReduction="20000"/>
+          </a:bodyPr>
           <a:lstStyle/>
           <a:p>
-            <a:endParaRPr lang="zh-TW" altLang="en-US"/>
+            <a:pPr marL="0" indent="0">
+              <a:buNone/>
+            </a:pPr>
+            <a:r>
+              <a:rPr lang="en-US" altLang="zh-TW" sz="2400" dirty="0"/>
+              <a:t>1.</a:t>
+            </a:r>
+            <a:r>
+              <a:rPr lang="zh-CN" altLang="en-US" sz="2400" dirty="0"/>
+              <a:t>創建 </a:t>
+            </a:r>
+            <a:r>
+              <a:rPr lang="en-US" altLang="zh-CN" sz="2400" dirty="0" err="1"/>
+              <a:t>Netlink</a:t>
+            </a:r>
+            <a:r>
+              <a:rPr lang="en-US" altLang="zh-CN" sz="2400" dirty="0"/>
+              <a:t> </a:t>
+            </a:r>
+            <a:r>
+              <a:rPr lang="zh-CN" altLang="en-US" sz="2400" dirty="0"/>
+              <a:t>套接字</a:t>
+            </a:r>
+            <a:endParaRPr lang="en-US" altLang="zh-CN" sz="2400" dirty="0"/>
+          </a:p>
+          <a:p>
+            <a:pPr marL="457200" lvl="2" indent="0">
+              <a:lnSpc>
+                <a:spcPct val="100000"/>
+              </a:lnSpc>
+              <a:buNone/>
+            </a:pPr>
+            <a:r>
+              <a:rPr lang="en-US" altLang="zh-TW" sz="1600" dirty="0">
+                <a:latin typeface="Consolas" panose="020B0609020204030204" pitchFamily="49" charset="0"/>
+              </a:rPr>
+              <a:t>int sock = socket(AF_NETLINK, SOCK_RAW, NETLINK_ROUTE);</a:t>
+            </a:r>
+          </a:p>
+          <a:p>
+            <a:pPr marL="457200" lvl="2" indent="0">
+              <a:lnSpc>
+                <a:spcPct val="100000"/>
+              </a:lnSpc>
+              <a:buNone/>
+            </a:pPr>
+            <a:r>
+              <a:rPr lang="en-US" altLang="zh-TW" sz="1600" dirty="0">
+                <a:latin typeface="Consolas" panose="020B0609020204030204" pitchFamily="49" charset="0"/>
+              </a:rPr>
+              <a:t>if (sock &lt; 0) {</a:t>
+            </a:r>
+          </a:p>
+          <a:p>
+            <a:pPr marL="457200" lvl="2" indent="0">
+              <a:lnSpc>
+                <a:spcPct val="100000"/>
+              </a:lnSpc>
+              <a:buNone/>
+            </a:pPr>
+            <a:r>
+              <a:rPr lang="en-US" altLang="zh-TW" sz="1600" dirty="0">
+                <a:latin typeface="Consolas" panose="020B0609020204030204" pitchFamily="49" charset="0"/>
+              </a:rPr>
+              <a:t>    </a:t>
+            </a:r>
+            <a:r>
+              <a:rPr lang="en-US" altLang="zh-TW" sz="1600" dirty="0" err="1">
+                <a:latin typeface="Consolas" panose="020B0609020204030204" pitchFamily="49" charset="0"/>
+              </a:rPr>
+              <a:t>perror</a:t>
+            </a:r>
+            <a:r>
+              <a:rPr lang="en-US" altLang="zh-TW" sz="1600" dirty="0">
+                <a:latin typeface="Consolas" panose="020B0609020204030204" pitchFamily="49" charset="0"/>
+              </a:rPr>
+              <a:t>("socket");</a:t>
+            </a:r>
+          </a:p>
+          <a:p>
+            <a:pPr marL="457200" lvl="2" indent="0">
+              <a:lnSpc>
+                <a:spcPct val="100000"/>
+              </a:lnSpc>
+              <a:buNone/>
+            </a:pPr>
+            <a:r>
+              <a:rPr lang="en-US" altLang="zh-TW" sz="1600" dirty="0">
+                <a:latin typeface="Consolas" panose="020B0609020204030204" pitchFamily="49" charset="0"/>
+              </a:rPr>
+              <a:t>    return -1;</a:t>
+            </a:r>
+          </a:p>
+          <a:p>
+            <a:pPr marL="457200" lvl="2" indent="0">
+              <a:lnSpc>
+                <a:spcPct val="100000"/>
+              </a:lnSpc>
+              <a:buNone/>
+            </a:pPr>
+            <a:r>
+              <a:rPr lang="en-US" altLang="zh-TW" sz="1600" dirty="0">
+                <a:latin typeface="Consolas" panose="020B0609020204030204" pitchFamily="49" charset="0"/>
+              </a:rPr>
+              <a:t>}</a:t>
+            </a:r>
+          </a:p>
+          <a:p>
+            <a:pPr marL="0" indent="0">
+              <a:buNone/>
+            </a:pPr>
+            <a:r>
+              <a:rPr lang="en-US" altLang="zh-TW" sz="2400" dirty="0"/>
+              <a:t>2.</a:t>
+            </a:r>
+            <a:r>
+              <a:rPr lang="zh-CN" altLang="en-US" sz="2400" dirty="0"/>
+              <a:t>配置和綁定地址</a:t>
+            </a:r>
+            <a:endParaRPr lang="en-US" altLang="zh-CN" sz="2400" dirty="0"/>
+          </a:p>
+          <a:p>
+            <a:pPr marL="457200" lvl="2" indent="0">
+              <a:lnSpc>
+                <a:spcPct val="100000"/>
+              </a:lnSpc>
+              <a:spcBef>
+                <a:spcPts val="1000"/>
+              </a:spcBef>
+              <a:buNone/>
+            </a:pPr>
+            <a:r>
+              <a:rPr lang="en-US" altLang="zh-TW" sz="1600" dirty="0">
+                <a:latin typeface="Consolas" panose="020B0609020204030204" pitchFamily="49" charset="0"/>
+              </a:rPr>
+              <a:t>struct </a:t>
+            </a:r>
+            <a:r>
+              <a:rPr lang="en-US" altLang="zh-TW" sz="1600" dirty="0" err="1">
+                <a:latin typeface="Consolas" panose="020B0609020204030204" pitchFamily="49" charset="0"/>
+              </a:rPr>
+              <a:t>sockaddr_nl</a:t>
+            </a:r>
+            <a:r>
+              <a:rPr lang="en-US" altLang="zh-TW" sz="1600" dirty="0">
+                <a:latin typeface="Consolas" panose="020B0609020204030204" pitchFamily="49" charset="0"/>
+              </a:rPr>
+              <a:t> </a:t>
+            </a:r>
+            <a:r>
+              <a:rPr lang="en-US" altLang="zh-TW" sz="1600" dirty="0" err="1">
+                <a:latin typeface="Consolas" panose="020B0609020204030204" pitchFamily="49" charset="0"/>
+              </a:rPr>
+              <a:t>addr</a:t>
+            </a:r>
+            <a:r>
+              <a:rPr lang="en-US" altLang="zh-TW" sz="1600" dirty="0">
+                <a:latin typeface="Consolas" panose="020B0609020204030204" pitchFamily="49" charset="0"/>
+              </a:rPr>
+              <a:t>;</a:t>
+            </a:r>
+          </a:p>
+          <a:p>
+            <a:pPr marL="457200" lvl="2" indent="0">
+              <a:lnSpc>
+                <a:spcPct val="100000"/>
+              </a:lnSpc>
+              <a:spcBef>
+                <a:spcPts val="1000"/>
+              </a:spcBef>
+              <a:buNone/>
+            </a:pPr>
+            <a:r>
+              <a:rPr lang="en-US" altLang="zh-TW" sz="1600" dirty="0" err="1">
+                <a:latin typeface="Consolas" panose="020B0609020204030204" pitchFamily="49" charset="0"/>
+              </a:rPr>
+              <a:t>memset</a:t>
+            </a:r>
+            <a:r>
+              <a:rPr lang="en-US" altLang="zh-TW" sz="1600" dirty="0">
+                <a:latin typeface="Consolas" panose="020B0609020204030204" pitchFamily="49" charset="0"/>
+              </a:rPr>
+              <a:t>(&amp;</a:t>
+            </a:r>
+            <a:r>
+              <a:rPr lang="en-US" altLang="zh-TW" sz="1600" dirty="0" err="1">
+                <a:latin typeface="Consolas" panose="020B0609020204030204" pitchFamily="49" charset="0"/>
+              </a:rPr>
+              <a:t>addr</a:t>
+            </a:r>
+            <a:r>
+              <a:rPr lang="en-US" altLang="zh-TW" sz="1600" dirty="0">
+                <a:latin typeface="Consolas" panose="020B0609020204030204" pitchFamily="49" charset="0"/>
+              </a:rPr>
+              <a:t>, 0, </a:t>
+            </a:r>
+            <a:r>
+              <a:rPr lang="en-US" altLang="zh-TW" sz="1600" dirty="0" err="1">
+                <a:latin typeface="Consolas" panose="020B0609020204030204" pitchFamily="49" charset="0"/>
+              </a:rPr>
+              <a:t>sizeof</a:t>
+            </a:r>
+            <a:r>
+              <a:rPr lang="en-US" altLang="zh-TW" sz="1600" dirty="0">
+                <a:latin typeface="Consolas" panose="020B0609020204030204" pitchFamily="49" charset="0"/>
+              </a:rPr>
+              <a:t>(</a:t>
+            </a:r>
+            <a:r>
+              <a:rPr lang="en-US" altLang="zh-TW" sz="1600" dirty="0" err="1">
+                <a:latin typeface="Consolas" panose="020B0609020204030204" pitchFamily="49" charset="0"/>
+              </a:rPr>
+              <a:t>addr</a:t>
+            </a:r>
+            <a:r>
+              <a:rPr lang="en-US" altLang="zh-TW" sz="1600" dirty="0">
+                <a:latin typeface="Consolas" panose="020B0609020204030204" pitchFamily="49" charset="0"/>
+              </a:rPr>
+              <a:t>));</a:t>
+            </a:r>
+          </a:p>
+          <a:p>
+            <a:pPr marL="457200" lvl="2" indent="0">
+              <a:lnSpc>
+                <a:spcPct val="100000"/>
+              </a:lnSpc>
+              <a:spcBef>
+                <a:spcPts val="1000"/>
+              </a:spcBef>
+              <a:buNone/>
+            </a:pPr>
+            <a:r>
+              <a:rPr lang="en-US" altLang="zh-TW" sz="1600" dirty="0" err="1">
+                <a:latin typeface="Consolas" panose="020B0609020204030204" pitchFamily="49" charset="0"/>
+              </a:rPr>
+              <a:t>addr.nl_family</a:t>
+            </a:r>
+            <a:r>
+              <a:rPr lang="en-US" altLang="zh-TW" sz="1600" dirty="0">
+                <a:latin typeface="Consolas" panose="020B0609020204030204" pitchFamily="49" charset="0"/>
+              </a:rPr>
+              <a:t> = AF_NETLINK;</a:t>
+            </a:r>
+          </a:p>
+          <a:p>
+            <a:pPr marL="457200" lvl="2" indent="0">
+              <a:lnSpc>
+                <a:spcPct val="100000"/>
+              </a:lnSpc>
+              <a:spcBef>
+                <a:spcPts val="1000"/>
+              </a:spcBef>
+              <a:buNone/>
+            </a:pPr>
+            <a:r>
+              <a:rPr lang="en-US" altLang="zh-TW" sz="1600" dirty="0" err="1">
+                <a:latin typeface="Consolas" panose="020B0609020204030204" pitchFamily="49" charset="0"/>
+              </a:rPr>
+              <a:t>addr.nl_groups</a:t>
+            </a:r>
+            <a:r>
+              <a:rPr lang="en-US" altLang="zh-TW" sz="1600" dirty="0">
+                <a:latin typeface="Consolas" panose="020B0609020204030204" pitchFamily="49" charset="0"/>
+              </a:rPr>
+              <a:t> = RTMGRP_LINK;</a:t>
+            </a:r>
+          </a:p>
+          <a:p>
+            <a:pPr marL="914400" lvl="2" indent="0">
+              <a:buNone/>
+            </a:pPr>
+            <a:endParaRPr lang="en-US" altLang="zh-TW" sz="1600" dirty="0">
+              <a:latin typeface="Consolas" panose="020B0609020204030204" pitchFamily="49" charset="0"/>
+            </a:endParaRPr>
+          </a:p>
+          <a:p>
+            <a:pPr marL="457200" lvl="2" indent="0">
+              <a:spcBef>
+                <a:spcPts val="1000"/>
+              </a:spcBef>
+              <a:buNone/>
+            </a:pPr>
+            <a:r>
+              <a:rPr lang="en-US" altLang="zh-TW" sz="1600" dirty="0">
+                <a:latin typeface="Consolas" panose="020B0609020204030204" pitchFamily="49" charset="0"/>
+              </a:rPr>
+              <a:t>if (bind(sock, (struct </a:t>
+            </a:r>
+            <a:r>
+              <a:rPr lang="en-US" altLang="zh-TW" sz="1600" dirty="0" err="1">
+                <a:latin typeface="Consolas" panose="020B0609020204030204" pitchFamily="49" charset="0"/>
+              </a:rPr>
+              <a:t>sockaddr</a:t>
+            </a:r>
+            <a:r>
+              <a:rPr lang="en-US" altLang="zh-TW" sz="1600" dirty="0">
+                <a:latin typeface="Consolas" panose="020B0609020204030204" pitchFamily="49" charset="0"/>
+              </a:rPr>
+              <a:t> *)&amp;</a:t>
+            </a:r>
+            <a:r>
+              <a:rPr lang="en-US" altLang="zh-TW" sz="1600" dirty="0" err="1">
+                <a:latin typeface="Consolas" panose="020B0609020204030204" pitchFamily="49" charset="0"/>
+              </a:rPr>
+              <a:t>addr</a:t>
+            </a:r>
+            <a:r>
+              <a:rPr lang="en-US" altLang="zh-TW" sz="1600" dirty="0">
+                <a:latin typeface="Consolas" panose="020B0609020204030204" pitchFamily="49" charset="0"/>
+              </a:rPr>
+              <a:t>, </a:t>
+            </a:r>
+            <a:r>
+              <a:rPr lang="en-US" altLang="zh-TW" sz="1600" dirty="0" err="1">
+                <a:latin typeface="Consolas" panose="020B0609020204030204" pitchFamily="49" charset="0"/>
+              </a:rPr>
+              <a:t>sizeof</a:t>
+            </a:r>
+            <a:r>
+              <a:rPr lang="en-US" altLang="zh-TW" sz="1600" dirty="0">
+                <a:latin typeface="Consolas" panose="020B0609020204030204" pitchFamily="49" charset="0"/>
+              </a:rPr>
+              <a:t>(</a:t>
+            </a:r>
+            <a:r>
+              <a:rPr lang="en-US" altLang="zh-TW" sz="1600" dirty="0" err="1">
+                <a:latin typeface="Consolas" panose="020B0609020204030204" pitchFamily="49" charset="0"/>
+              </a:rPr>
+              <a:t>addr</a:t>
+            </a:r>
+            <a:r>
+              <a:rPr lang="en-US" altLang="zh-TW" sz="1600" dirty="0">
+                <a:latin typeface="Consolas" panose="020B0609020204030204" pitchFamily="49" charset="0"/>
+              </a:rPr>
+              <a:t>)) &lt; 0) {</a:t>
+            </a:r>
+          </a:p>
+          <a:p>
+            <a:pPr marL="457200" lvl="2" indent="0">
+              <a:spcBef>
+                <a:spcPts val="1000"/>
+              </a:spcBef>
+              <a:buNone/>
+            </a:pPr>
+            <a:r>
+              <a:rPr lang="en-US" altLang="zh-TW" sz="1600" dirty="0">
+                <a:latin typeface="Consolas" panose="020B0609020204030204" pitchFamily="49" charset="0"/>
+              </a:rPr>
+              <a:t>    </a:t>
+            </a:r>
+            <a:r>
+              <a:rPr lang="en-US" altLang="zh-TW" sz="1600" dirty="0" err="1">
+                <a:latin typeface="Consolas" panose="020B0609020204030204" pitchFamily="49" charset="0"/>
+              </a:rPr>
+              <a:t>perror</a:t>
+            </a:r>
+            <a:r>
+              <a:rPr lang="en-US" altLang="zh-TW" sz="1600" dirty="0">
+                <a:latin typeface="Consolas" panose="020B0609020204030204" pitchFamily="49" charset="0"/>
+              </a:rPr>
+              <a:t>("bind");</a:t>
+            </a:r>
+          </a:p>
+          <a:p>
+            <a:pPr marL="457200" lvl="2" indent="0">
+              <a:spcBef>
+                <a:spcPts val="1000"/>
+              </a:spcBef>
+              <a:buNone/>
+            </a:pPr>
+            <a:r>
+              <a:rPr lang="en-US" altLang="zh-TW" sz="1600" dirty="0">
+                <a:latin typeface="Consolas" panose="020B0609020204030204" pitchFamily="49" charset="0"/>
+              </a:rPr>
+              <a:t>    close(sock);</a:t>
+            </a:r>
+          </a:p>
+          <a:p>
+            <a:pPr marL="457200" lvl="2" indent="0">
+              <a:spcBef>
+                <a:spcPts val="1000"/>
+              </a:spcBef>
+              <a:buNone/>
+            </a:pPr>
+            <a:r>
+              <a:rPr lang="en-US" altLang="zh-TW" sz="1600" dirty="0">
+                <a:latin typeface="Consolas" panose="020B0609020204030204" pitchFamily="49" charset="0"/>
+              </a:rPr>
+              <a:t>    return -1;</a:t>
+            </a:r>
+          </a:p>
+          <a:p>
+            <a:pPr marL="457200" lvl="2" indent="0">
+              <a:spcBef>
+                <a:spcPts val="1000"/>
+              </a:spcBef>
+              <a:buNone/>
+            </a:pPr>
+            <a:r>
+              <a:rPr lang="en-US" altLang="zh-TW" sz="1600" dirty="0">
+                <a:latin typeface="Consolas" panose="020B0609020204030204" pitchFamily="49" charset="0"/>
+              </a:rPr>
+              <a:t>}</a:t>
+            </a:r>
+            <a:endParaRPr lang="zh-TW" altLang="en-US" sz="1600" dirty="0">
+              <a:latin typeface="Consolas" panose="020B0609020204030204" pitchFamily="49" charset="0"/>
+            </a:endParaRPr>
           </a:p>
         </p:txBody>
       </p:sp>
@@ -5471,6 +6719,818 @@
     <p:extLst>
       <p:ext uri="{BB962C8B-B14F-4D97-AF65-F5344CB8AC3E}">
         <p14:creationId xmlns:p14="http://schemas.microsoft.com/office/powerpoint/2010/main" val="4112147499"/>
+      </p:ext>
+    </p:extLst>
+  </p:cSld>
+  <p:clrMapOvr>
+    <a:masterClrMapping/>
+  </p:clrMapOvr>
+</p:sld>
+</file>
+
+<file path=ppt/slides/slide8.xml><?xml version="1.0" encoding="utf-8"?>
+<p:sld xmlns:a="http://schemas.openxmlformats.org/drawingml/2006/main" xmlns:r="http://schemas.openxmlformats.org/officeDocument/2006/relationships" xmlns:p="http://schemas.openxmlformats.org/presentationml/2006/main">
+  <p:cSld>
+    <p:spTree>
+      <p:nvGrpSpPr>
+        <p:cNvPr id="1" name=""/>
+        <p:cNvGrpSpPr/>
+        <p:nvPr/>
+      </p:nvGrpSpPr>
+      <p:grpSpPr>
+        <a:xfrm>
+          <a:off x="0" y="0"/>
+          <a:ext cx="0" cy="0"/>
+          <a:chOff x="0" y="0"/>
+          <a:chExt cx="0" cy="0"/>
+        </a:xfrm>
+      </p:grpSpPr>
+      <p:sp>
+        <p:nvSpPr>
+          <p:cNvPr id="3" name="內容版面配置區 2">
+            <a:extLst>
+              <a:ext uri="{FF2B5EF4-FFF2-40B4-BE49-F238E27FC236}">
+                <a16:creationId xmlns:a16="http://schemas.microsoft.com/office/drawing/2014/main" id="{5408F419-0B7C-4A9F-AFFE-1EB74B918661}"/>
+              </a:ext>
+            </a:extLst>
+          </p:cNvPr>
+          <p:cNvSpPr>
+            <a:spLocks noGrp="1"/>
+          </p:cNvSpPr>
+          <p:nvPr>
+            <p:ph idx="1"/>
+          </p:nvPr>
+        </p:nvSpPr>
+        <p:spPr>
+          <a:xfrm>
+            <a:off x="398033" y="86062"/>
+            <a:ext cx="11327801" cy="6771938"/>
+          </a:xfrm>
+        </p:spPr>
+        <p:txBody>
+          <a:bodyPr>
+            <a:normAutofit fontScale="70000" lnSpcReduction="20000"/>
+          </a:bodyPr>
+          <a:lstStyle/>
+          <a:p>
+            <a:pPr marL="0" indent="0">
+              <a:buNone/>
+            </a:pPr>
+            <a:r>
+              <a:rPr lang="en-US" altLang="zh-TW" sz="2600" dirty="0"/>
+              <a:t>3.</a:t>
+            </a:r>
+            <a:r>
+              <a:rPr lang="zh-CN" altLang="en-US" sz="2600" dirty="0"/>
+              <a:t>接收消息</a:t>
+            </a:r>
+            <a:endParaRPr lang="en-US" altLang="zh-CN" sz="2600" dirty="0"/>
+          </a:p>
+          <a:p>
+            <a:pPr marL="457200" lvl="3" indent="0">
+              <a:lnSpc>
+                <a:spcPct val="110000"/>
+              </a:lnSpc>
+              <a:buNone/>
+            </a:pPr>
+            <a:r>
+              <a:rPr lang="en-US" altLang="zh-TW" sz="2300" dirty="0">
+                <a:latin typeface="Consolas" panose="020B0609020204030204" pitchFamily="49" charset="0"/>
+              </a:rPr>
+              <a:t>char buffer[4096];</a:t>
+            </a:r>
+          </a:p>
+          <a:p>
+            <a:pPr marL="457200" lvl="3" indent="0">
+              <a:lnSpc>
+                <a:spcPct val="110000"/>
+              </a:lnSpc>
+              <a:buNone/>
+            </a:pPr>
+            <a:r>
+              <a:rPr lang="en-US" altLang="zh-TW" sz="2300" dirty="0">
+                <a:latin typeface="Consolas" panose="020B0609020204030204" pitchFamily="49" charset="0"/>
+              </a:rPr>
+              <a:t>int </a:t>
+            </a:r>
+            <a:r>
+              <a:rPr lang="en-US" altLang="zh-TW" sz="2300" dirty="0" err="1">
+                <a:latin typeface="Consolas" panose="020B0609020204030204" pitchFamily="49" charset="0"/>
+              </a:rPr>
+              <a:t>len</a:t>
+            </a:r>
+            <a:r>
+              <a:rPr lang="en-US" altLang="zh-TW" sz="2300" dirty="0">
+                <a:latin typeface="Consolas" panose="020B0609020204030204" pitchFamily="49" charset="0"/>
+              </a:rPr>
+              <a:t> = </a:t>
+            </a:r>
+            <a:r>
+              <a:rPr lang="en-US" altLang="zh-TW" sz="2300" dirty="0" err="1">
+                <a:latin typeface="Consolas" panose="020B0609020204030204" pitchFamily="49" charset="0"/>
+              </a:rPr>
+              <a:t>recv</a:t>
+            </a:r>
+            <a:r>
+              <a:rPr lang="en-US" altLang="zh-TW" sz="2300" dirty="0">
+                <a:latin typeface="Consolas" panose="020B0609020204030204" pitchFamily="49" charset="0"/>
+              </a:rPr>
+              <a:t>(sock, buffer, </a:t>
+            </a:r>
+            <a:r>
+              <a:rPr lang="en-US" altLang="zh-TW" sz="2300" dirty="0" err="1">
+                <a:latin typeface="Consolas" panose="020B0609020204030204" pitchFamily="49" charset="0"/>
+              </a:rPr>
+              <a:t>sizeof</a:t>
+            </a:r>
+            <a:r>
+              <a:rPr lang="en-US" altLang="zh-TW" sz="2300" dirty="0">
+                <a:latin typeface="Consolas" panose="020B0609020204030204" pitchFamily="49" charset="0"/>
+              </a:rPr>
+              <a:t>(buffer), 0);</a:t>
+            </a:r>
+          </a:p>
+          <a:p>
+            <a:pPr marL="457200" lvl="3" indent="0">
+              <a:lnSpc>
+                <a:spcPct val="110000"/>
+              </a:lnSpc>
+              <a:buNone/>
+            </a:pPr>
+            <a:r>
+              <a:rPr lang="en-US" altLang="zh-TW" sz="2300" dirty="0">
+                <a:latin typeface="Consolas" panose="020B0609020204030204" pitchFamily="49" charset="0"/>
+              </a:rPr>
+              <a:t>if (</a:t>
+            </a:r>
+            <a:r>
+              <a:rPr lang="en-US" altLang="zh-TW" sz="2300" dirty="0" err="1">
+                <a:latin typeface="Consolas" panose="020B0609020204030204" pitchFamily="49" charset="0"/>
+              </a:rPr>
+              <a:t>len</a:t>
+            </a:r>
+            <a:r>
+              <a:rPr lang="en-US" altLang="zh-TW" sz="2300" dirty="0">
+                <a:latin typeface="Consolas" panose="020B0609020204030204" pitchFamily="49" charset="0"/>
+              </a:rPr>
+              <a:t> &lt; 0) {</a:t>
+            </a:r>
+          </a:p>
+          <a:p>
+            <a:pPr marL="457200" lvl="3" indent="0">
+              <a:lnSpc>
+                <a:spcPct val="110000"/>
+              </a:lnSpc>
+              <a:buNone/>
+            </a:pPr>
+            <a:r>
+              <a:rPr lang="en-US" altLang="zh-TW" sz="2300" dirty="0">
+                <a:latin typeface="Consolas" panose="020B0609020204030204" pitchFamily="49" charset="0"/>
+              </a:rPr>
+              <a:t>    </a:t>
+            </a:r>
+            <a:r>
+              <a:rPr lang="en-US" altLang="zh-TW" sz="2300" dirty="0" err="1">
+                <a:latin typeface="Consolas" panose="020B0609020204030204" pitchFamily="49" charset="0"/>
+              </a:rPr>
+              <a:t>perror</a:t>
+            </a:r>
+            <a:r>
+              <a:rPr lang="en-US" altLang="zh-TW" sz="2300" dirty="0">
+                <a:latin typeface="Consolas" panose="020B0609020204030204" pitchFamily="49" charset="0"/>
+              </a:rPr>
+              <a:t>("</a:t>
+            </a:r>
+            <a:r>
+              <a:rPr lang="en-US" altLang="zh-TW" sz="2300" dirty="0" err="1">
+                <a:latin typeface="Consolas" panose="020B0609020204030204" pitchFamily="49" charset="0"/>
+              </a:rPr>
+              <a:t>recv</a:t>
+            </a:r>
+            <a:r>
+              <a:rPr lang="en-US" altLang="zh-TW" sz="2300" dirty="0">
+                <a:latin typeface="Consolas" panose="020B0609020204030204" pitchFamily="49" charset="0"/>
+              </a:rPr>
+              <a:t>");</a:t>
+            </a:r>
+          </a:p>
+          <a:p>
+            <a:pPr marL="457200" lvl="3" indent="0">
+              <a:lnSpc>
+                <a:spcPct val="110000"/>
+              </a:lnSpc>
+              <a:buNone/>
+            </a:pPr>
+            <a:r>
+              <a:rPr lang="en-US" altLang="zh-TW" sz="2300" dirty="0">
+                <a:latin typeface="Consolas" panose="020B0609020204030204" pitchFamily="49" charset="0"/>
+              </a:rPr>
+              <a:t>    continue;</a:t>
+            </a:r>
+          </a:p>
+          <a:p>
+            <a:pPr marL="457200" lvl="3" indent="0">
+              <a:lnSpc>
+                <a:spcPct val="110000"/>
+              </a:lnSpc>
+              <a:buNone/>
+            </a:pPr>
+            <a:r>
+              <a:rPr lang="en-US" altLang="zh-TW" sz="2300" dirty="0">
+                <a:latin typeface="Consolas" panose="020B0609020204030204" pitchFamily="49" charset="0"/>
+              </a:rPr>
+              <a:t>}</a:t>
+            </a:r>
+          </a:p>
+          <a:p>
+            <a:pPr marL="0" lvl="2" indent="0">
+              <a:lnSpc>
+                <a:spcPct val="80000"/>
+              </a:lnSpc>
+              <a:buNone/>
+            </a:pPr>
+            <a:r>
+              <a:rPr lang="en-US" altLang="zh-TW" sz="2600" dirty="0">
+                <a:latin typeface="Consolas" panose="020B0609020204030204" pitchFamily="49" charset="0"/>
+              </a:rPr>
+              <a:t>4.</a:t>
+            </a:r>
+            <a:r>
+              <a:rPr lang="zh-CN" altLang="en-US" sz="2600" dirty="0">
+                <a:latin typeface="Consolas" panose="020B0609020204030204" pitchFamily="49" charset="0"/>
+              </a:rPr>
+              <a:t>消息解析</a:t>
+            </a:r>
+            <a:endParaRPr lang="en-US" altLang="zh-CN" sz="2600" dirty="0">
+              <a:latin typeface="Consolas" panose="020B0609020204030204" pitchFamily="49" charset="0"/>
+            </a:endParaRPr>
+          </a:p>
+          <a:p>
+            <a:pPr marL="457200" lvl="3" indent="0">
+              <a:lnSpc>
+                <a:spcPct val="120000"/>
+              </a:lnSpc>
+              <a:buNone/>
+            </a:pPr>
+            <a:r>
+              <a:rPr lang="en-US" altLang="zh-TW" sz="2300" dirty="0">
+                <a:latin typeface="Consolas" panose="020B0609020204030204" pitchFamily="49" charset="0"/>
+              </a:rPr>
+              <a:t>struct </a:t>
+            </a:r>
+            <a:r>
+              <a:rPr lang="en-US" altLang="zh-TW" sz="2300" dirty="0" err="1">
+                <a:latin typeface="Consolas" panose="020B0609020204030204" pitchFamily="49" charset="0"/>
+              </a:rPr>
+              <a:t>nlmsghdr</a:t>
+            </a:r>
+            <a:r>
+              <a:rPr lang="en-US" altLang="zh-TW" sz="2300" dirty="0">
+                <a:latin typeface="Consolas" panose="020B0609020204030204" pitchFamily="49" charset="0"/>
+              </a:rPr>
+              <a:t> *</a:t>
+            </a:r>
+            <a:r>
+              <a:rPr lang="en-US" altLang="zh-TW" sz="2300" dirty="0" err="1">
+                <a:latin typeface="Consolas" panose="020B0609020204030204" pitchFamily="49" charset="0"/>
+              </a:rPr>
+              <a:t>nlh</a:t>
+            </a:r>
+            <a:r>
+              <a:rPr lang="en-US" altLang="zh-TW" sz="2300" dirty="0">
+                <a:latin typeface="Consolas" panose="020B0609020204030204" pitchFamily="49" charset="0"/>
+              </a:rPr>
+              <a:t> = (struct </a:t>
+            </a:r>
+            <a:r>
+              <a:rPr lang="en-US" altLang="zh-TW" sz="2300" dirty="0" err="1">
+                <a:latin typeface="Consolas" panose="020B0609020204030204" pitchFamily="49" charset="0"/>
+              </a:rPr>
+              <a:t>nlmsghdr</a:t>
+            </a:r>
+            <a:r>
+              <a:rPr lang="en-US" altLang="zh-TW" sz="2300" dirty="0">
+                <a:latin typeface="Consolas" panose="020B0609020204030204" pitchFamily="49" charset="0"/>
+              </a:rPr>
+              <a:t> *)buffer;</a:t>
+            </a:r>
+          </a:p>
+          <a:p>
+            <a:pPr marL="457200" lvl="3" indent="0">
+              <a:lnSpc>
+                <a:spcPct val="120000"/>
+              </a:lnSpc>
+              <a:buNone/>
+            </a:pPr>
+            <a:r>
+              <a:rPr lang="en-US" altLang="zh-TW" sz="2300" dirty="0">
+                <a:latin typeface="Consolas" panose="020B0609020204030204" pitchFamily="49" charset="0"/>
+              </a:rPr>
+              <a:t>for (; NLMSG_OK(</a:t>
+            </a:r>
+            <a:r>
+              <a:rPr lang="en-US" altLang="zh-TW" sz="2300" dirty="0" err="1">
+                <a:latin typeface="Consolas" panose="020B0609020204030204" pitchFamily="49" charset="0"/>
+              </a:rPr>
+              <a:t>nlh</a:t>
+            </a:r>
+            <a:r>
+              <a:rPr lang="en-US" altLang="zh-TW" sz="2300" dirty="0">
+                <a:latin typeface="Consolas" panose="020B0609020204030204" pitchFamily="49" charset="0"/>
+              </a:rPr>
+              <a:t>, </a:t>
+            </a:r>
+            <a:r>
+              <a:rPr lang="en-US" altLang="zh-TW" sz="2300" dirty="0" err="1">
+                <a:latin typeface="Consolas" panose="020B0609020204030204" pitchFamily="49" charset="0"/>
+              </a:rPr>
+              <a:t>len</a:t>
+            </a:r>
+            <a:r>
+              <a:rPr lang="en-US" altLang="zh-TW" sz="2300" dirty="0">
+                <a:latin typeface="Consolas" panose="020B0609020204030204" pitchFamily="49" charset="0"/>
+              </a:rPr>
+              <a:t>); </a:t>
+            </a:r>
+            <a:r>
+              <a:rPr lang="en-US" altLang="zh-TW" sz="2300" dirty="0" err="1">
+                <a:latin typeface="Consolas" panose="020B0609020204030204" pitchFamily="49" charset="0"/>
+              </a:rPr>
+              <a:t>nlh</a:t>
+            </a:r>
+            <a:r>
+              <a:rPr lang="en-US" altLang="zh-TW" sz="2300" dirty="0">
+                <a:latin typeface="Consolas" panose="020B0609020204030204" pitchFamily="49" charset="0"/>
+              </a:rPr>
+              <a:t> = NLMSG_NEXT(</a:t>
+            </a:r>
+            <a:r>
+              <a:rPr lang="en-US" altLang="zh-TW" sz="2300" dirty="0" err="1">
+                <a:latin typeface="Consolas" panose="020B0609020204030204" pitchFamily="49" charset="0"/>
+              </a:rPr>
+              <a:t>nlh</a:t>
+            </a:r>
+            <a:r>
+              <a:rPr lang="en-US" altLang="zh-TW" sz="2300" dirty="0">
+                <a:latin typeface="Consolas" panose="020B0609020204030204" pitchFamily="49" charset="0"/>
+              </a:rPr>
+              <a:t>, </a:t>
+            </a:r>
+            <a:r>
+              <a:rPr lang="en-US" altLang="zh-TW" sz="2300" dirty="0" err="1">
+                <a:latin typeface="Consolas" panose="020B0609020204030204" pitchFamily="49" charset="0"/>
+              </a:rPr>
+              <a:t>len</a:t>
+            </a:r>
+            <a:r>
+              <a:rPr lang="en-US" altLang="zh-TW" sz="2300" dirty="0">
+                <a:latin typeface="Consolas" panose="020B0609020204030204" pitchFamily="49" charset="0"/>
+              </a:rPr>
+              <a:t>)) {</a:t>
+            </a:r>
+          </a:p>
+          <a:p>
+            <a:pPr marL="457200" lvl="3" indent="0">
+              <a:lnSpc>
+                <a:spcPct val="120000"/>
+              </a:lnSpc>
+              <a:buNone/>
+            </a:pPr>
+            <a:r>
+              <a:rPr lang="en-US" altLang="zh-TW" sz="2300" dirty="0">
+                <a:latin typeface="Consolas" panose="020B0609020204030204" pitchFamily="49" charset="0"/>
+              </a:rPr>
+              <a:t>    if (</a:t>
+            </a:r>
+            <a:r>
+              <a:rPr lang="en-US" altLang="zh-TW" sz="2300" dirty="0" err="1">
+                <a:latin typeface="Consolas" panose="020B0609020204030204" pitchFamily="49" charset="0"/>
+              </a:rPr>
+              <a:t>nlh</a:t>
+            </a:r>
+            <a:r>
+              <a:rPr lang="en-US" altLang="zh-TW" sz="2300" dirty="0">
+                <a:latin typeface="Consolas" panose="020B0609020204030204" pitchFamily="49" charset="0"/>
+              </a:rPr>
+              <a:t>-&gt;</a:t>
+            </a:r>
+            <a:r>
+              <a:rPr lang="en-US" altLang="zh-TW" sz="2300" dirty="0" err="1">
+                <a:latin typeface="Consolas" panose="020B0609020204030204" pitchFamily="49" charset="0"/>
+              </a:rPr>
+              <a:t>nlmsg_type</a:t>
+            </a:r>
+            <a:r>
+              <a:rPr lang="en-US" altLang="zh-TW" sz="2300" dirty="0">
+                <a:latin typeface="Consolas" panose="020B0609020204030204" pitchFamily="49" charset="0"/>
+              </a:rPr>
+              <a:t> == RTM_NEWLINK) {</a:t>
+            </a:r>
+          </a:p>
+          <a:p>
+            <a:pPr marL="457200" lvl="3" indent="0">
+              <a:lnSpc>
+                <a:spcPct val="120000"/>
+              </a:lnSpc>
+              <a:buNone/>
+            </a:pPr>
+            <a:r>
+              <a:rPr lang="en-US" altLang="zh-TW" sz="2300" dirty="0">
+                <a:latin typeface="Consolas" panose="020B0609020204030204" pitchFamily="49" charset="0"/>
+              </a:rPr>
+              <a:t>        struct </a:t>
+            </a:r>
+            <a:r>
+              <a:rPr lang="en-US" altLang="zh-TW" sz="2300" dirty="0" err="1">
+                <a:latin typeface="Consolas" panose="020B0609020204030204" pitchFamily="49" charset="0"/>
+              </a:rPr>
+              <a:t>ifinfomsg</a:t>
+            </a:r>
+            <a:r>
+              <a:rPr lang="en-US" altLang="zh-TW" sz="2300" dirty="0">
+                <a:latin typeface="Consolas" panose="020B0609020204030204" pitchFamily="49" charset="0"/>
+              </a:rPr>
+              <a:t> *</a:t>
+            </a:r>
+            <a:r>
+              <a:rPr lang="en-US" altLang="zh-TW" sz="2300" dirty="0" err="1">
+                <a:latin typeface="Consolas" panose="020B0609020204030204" pitchFamily="49" charset="0"/>
+              </a:rPr>
+              <a:t>ifi</a:t>
+            </a:r>
+            <a:r>
+              <a:rPr lang="en-US" altLang="zh-TW" sz="2300" dirty="0">
+                <a:latin typeface="Consolas" panose="020B0609020204030204" pitchFamily="49" charset="0"/>
+              </a:rPr>
+              <a:t> = NLMSG_DATA(</a:t>
+            </a:r>
+            <a:r>
+              <a:rPr lang="en-US" altLang="zh-TW" sz="2300" dirty="0" err="1">
+                <a:latin typeface="Consolas" panose="020B0609020204030204" pitchFamily="49" charset="0"/>
+              </a:rPr>
+              <a:t>nlh</a:t>
+            </a:r>
+            <a:r>
+              <a:rPr lang="en-US" altLang="zh-TW" sz="2300" dirty="0">
+                <a:latin typeface="Consolas" panose="020B0609020204030204" pitchFamily="49" charset="0"/>
+              </a:rPr>
+              <a:t>);</a:t>
+            </a:r>
+          </a:p>
+          <a:p>
+            <a:pPr marL="457200" lvl="3" indent="0">
+              <a:lnSpc>
+                <a:spcPct val="120000"/>
+              </a:lnSpc>
+              <a:buNone/>
+            </a:pPr>
+            <a:r>
+              <a:rPr lang="en-US" altLang="zh-TW" sz="2300" dirty="0">
+                <a:latin typeface="Consolas" panose="020B0609020204030204" pitchFamily="49" charset="0"/>
+              </a:rPr>
+              <a:t>        // ...</a:t>
+            </a:r>
+          </a:p>
+          <a:p>
+            <a:pPr marL="457200" lvl="3" indent="0">
+              <a:lnSpc>
+                <a:spcPct val="120000"/>
+              </a:lnSpc>
+              <a:buNone/>
+            </a:pPr>
+            <a:r>
+              <a:rPr lang="en-US" altLang="zh-TW" sz="2300" dirty="0">
+                <a:latin typeface="Consolas" panose="020B0609020204030204" pitchFamily="49" charset="0"/>
+              </a:rPr>
+              <a:t>    }</a:t>
+            </a:r>
+          </a:p>
+          <a:p>
+            <a:pPr marL="457200" lvl="3" indent="0">
+              <a:lnSpc>
+                <a:spcPct val="120000"/>
+              </a:lnSpc>
+              <a:buNone/>
+            </a:pPr>
+            <a:r>
+              <a:rPr lang="en-US" altLang="zh-TW" sz="2300" dirty="0">
+                <a:latin typeface="Consolas" panose="020B0609020204030204" pitchFamily="49" charset="0"/>
+              </a:rPr>
+              <a:t>}</a:t>
+            </a:r>
+          </a:p>
+          <a:p>
+            <a:pPr marL="0" lvl="2" indent="0">
+              <a:lnSpc>
+                <a:spcPct val="80000"/>
+              </a:lnSpc>
+              <a:buNone/>
+            </a:pPr>
+            <a:r>
+              <a:rPr lang="en-US" altLang="zh-TW" sz="2400" dirty="0">
+                <a:latin typeface="Consolas" panose="020B0609020204030204" pitchFamily="49" charset="0"/>
+              </a:rPr>
+              <a:t>5.</a:t>
+            </a:r>
+            <a:r>
+              <a:rPr lang="zh-CN" altLang="en-US" sz="2400" dirty="0">
+                <a:latin typeface="Consolas" panose="020B0609020204030204" pitchFamily="49" charset="0"/>
+              </a:rPr>
+              <a:t>網絡接口狀態判斷和處理</a:t>
+            </a:r>
+            <a:endParaRPr lang="en-US" altLang="zh-CN" sz="2400" dirty="0">
+              <a:latin typeface="Consolas" panose="020B0609020204030204" pitchFamily="49" charset="0"/>
+            </a:endParaRPr>
+          </a:p>
+          <a:p>
+            <a:pPr marL="457200" lvl="3" indent="0">
+              <a:lnSpc>
+                <a:spcPct val="120000"/>
+              </a:lnSpc>
+              <a:buNone/>
+            </a:pPr>
+            <a:r>
+              <a:rPr lang="en-US" altLang="zh-TW" sz="2300" dirty="0">
+                <a:latin typeface="Consolas" panose="020B0609020204030204" pitchFamily="49" charset="0"/>
+              </a:rPr>
+              <a:t>if (</a:t>
+            </a:r>
+            <a:r>
+              <a:rPr lang="en-US" altLang="zh-TW" sz="2300" dirty="0" err="1">
+                <a:latin typeface="Consolas" panose="020B0609020204030204" pitchFamily="49" charset="0"/>
+              </a:rPr>
+              <a:t>ifi</a:t>
+            </a:r>
+            <a:r>
+              <a:rPr lang="en-US" altLang="zh-TW" sz="2300" dirty="0">
+                <a:latin typeface="Consolas" panose="020B0609020204030204" pitchFamily="49" charset="0"/>
+              </a:rPr>
+              <a:t>-&gt;</a:t>
+            </a:r>
+            <a:r>
+              <a:rPr lang="en-US" altLang="zh-TW" sz="2300" dirty="0" err="1">
+                <a:latin typeface="Consolas" panose="020B0609020204030204" pitchFamily="49" charset="0"/>
+              </a:rPr>
+              <a:t>ifi_flags</a:t>
+            </a:r>
+            <a:r>
+              <a:rPr lang="en-US" altLang="zh-TW" sz="2300" dirty="0">
+                <a:latin typeface="Consolas" panose="020B0609020204030204" pitchFamily="49" charset="0"/>
+              </a:rPr>
+              <a:t> &amp; IFF_LOWER_UP) {</a:t>
+            </a:r>
+          </a:p>
+          <a:p>
+            <a:pPr marL="457200" lvl="3" indent="0">
+              <a:lnSpc>
+                <a:spcPct val="120000"/>
+              </a:lnSpc>
+              <a:buNone/>
+            </a:pPr>
+            <a:r>
+              <a:rPr lang="en-US" altLang="zh-TW" sz="2300" dirty="0">
+                <a:latin typeface="Consolas" panose="020B0609020204030204" pitchFamily="49" charset="0"/>
+              </a:rPr>
+              <a:t>    </a:t>
+            </a:r>
+            <a:r>
+              <a:rPr lang="en-US" altLang="zh-TW" sz="2300" dirty="0" err="1">
+                <a:latin typeface="Consolas" panose="020B0609020204030204" pitchFamily="49" charset="0"/>
+              </a:rPr>
+              <a:t>printf</a:t>
+            </a:r>
+            <a:r>
+              <a:rPr lang="en-US" altLang="zh-TW" sz="2300" dirty="0">
+                <a:latin typeface="Consolas" panose="020B0609020204030204" pitchFamily="49" charset="0"/>
+              </a:rPr>
+              <a:t>("Interface is UP\n");</a:t>
+            </a:r>
+          </a:p>
+          <a:p>
+            <a:pPr marL="457200" lvl="3" indent="0">
+              <a:lnSpc>
+                <a:spcPct val="120000"/>
+              </a:lnSpc>
+              <a:buNone/>
+            </a:pPr>
+            <a:r>
+              <a:rPr lang="en-US" altLang="zh-TW" sz="2300" dirty="0">
+                <a:latin typeface="Consolas" panose="020B0609020204030204" pitchFamily="49" charset="0"/>
+              </a:rPr>
+              <a:t>    </a:t>
+            </a:r>
+            <a:r>
+              <a:rPr lang="en-US" altLang="zh-TW" sz="2300" dirty="0" err="1">
+                <a:latin typeface="Consolas" panose="020B0609020204030204" pitchFamily="49" charset="0"/>
+              </a:rPr>
+              <a:t>send_notification</a:t>
+            </a:r>
+            <a:r>
+              <a:rPr lang="en-US" altLang="zh-TW" sz="2300" dirty="0">
+                <a:latin typeface="Consolas" panose="020B0609020204030204" pitchFamily="49" charset="0"/>
+              </a:rPr>
+              <a:t>("Ethernet cable connected");</a:t>
+            </a:r>
+          </a:p>
+          <a:p>
+            <a:pPr marL="457200" lvl="3" indent="0">
+              <a:lnSpc>
+                <a:spcPct val="120000"/>
+              </a:lnSpc>
+              <a:buNone/>
+            </a:pPr>
+            <a:r>
+              <a:rPr lang="en-US" altLang="zh-TW" sz="2300" dirty="0">
+                <a:latin typeface="Consolas" panose="020B0609020204030204" pitchFamily="49" charset="0"/>
+              </a:rPr>
+              <a:t>} else {</a:t>
+            </a:r>
+          </a:p>
+          <a:p>
+            <a:pPr marL="457200" lvl="3" indent="0">
+              <a:lnSpc>
+                <a:spcPct val="120000"/>
+              </a:lnSpc>
+              <a:buNone/>
+            </a:pPr>
+            <a:r>
+              <a:rPr lang="en-US" altLang="zh-TW" sz="2300" dirty="0">
+                <a:latin typeface="Consolas" panose="020B0609020204030204" pitchFamily="49" charset="0"/>
+              </a:rPr>
+              <a:t>    </a:t>
+            </a:r>
+            <a:r>
+              <a:rPr lang="en-US" altLang="zh-TW" sz="2300" dirty="0" err="1">
+                <a:latin typeface="Consolas" panose="020B0609020204030204" pitchFamily="49" charset="0"/>
+              </a:rPr>
+              <a:t>printf</a:t>
+            </a:r>
+            <a:r>
+              <a:rPr lang="en-US" altLang="zh-TW" sz="2300" dirty="0">
+                <a:latin typeface="Consolas" panose="020B0609020204030204" pitchFamily="49" charset="0"/>
+              </a:rPr>
+              <a:t>("Interface is DOWN\n");</a:t>
+            </a:r>
+          </a:p>
+          <a:p>
+            <a:pPr marL="457200" lvl="3" indent="0">
+              <a:lnSpc>
+                <a:spcPct val="120000"/>
+              </a:lnSpc>
+              <a:buNone/>
+            </a:pPr>
+            <a:r>
+              <a:rPr lang="en-US" altLang="zh-TW" sz="2300" dirty="0">
+                <a:latin typeface="Consolas" panose="020B0609020204030204" pitchFamily="49" charset="0"/>
+              </a:rPr>
+              <a:t>    </a:t>
+            </a:r>
+            <a:r>
+              <a:rPr lang="en-US" altLang="zh-TW" sz="2300" dirty="0" err="1">
+                <a:latin typeface="Consolas" panose="020B0609020204030204" pitchFamily="49" charset="0"/>
+              </a:rPr>
+              <a:t>send_notification</a:t>
+            </a:r>
+            <a:r>
+              <a:rPr lang="en-US" altLang="zh-TW" sz="2300" dirty="0">
+                <a:latin typeface="Consolas" panose="020B0609020204030204" pitchFamily="49" charset="0"/>
+              </a:rPr>
+              <a:t>("Ethernet cable disconnected");</a:t>
+            </a:r>
+          </a:p>
+          <a:p>
+            <a:pPr marL="457200" lvl="3" indent="0">
+              <a:lnSpc>
+                <a:spcPct val="120000"/>
+              </a:lnSpc>
+              <a:buNone/>
+            </a:pPr>
+            <a:r>
+              <a:rPr lang="en-US" altLang="zh-TW" sz="2300" dirty="0">
+                <a:latin typeface="Consolas" panose="020B0609020204030204" pitchFamily="49" charset="0"/>
+              </a:rPr>
+              <a:t>}</a:t>
+            </a:r>
+            <a:endParaRPr lang="zh-TW" altLang="en-US" sz="2300" dirty="0">
+              <a:latin typeface="Consolas" panose="020B0609020204030204" pitchFamily="49" charset="0"/>
+            </a:endParaRPr>
+          </a:p>
+        </p:txBody>
+      </p:sp>
+      <p:pic>
+        <p:nvPicPr>
+          <p:cNvPr id="11" name="圖片 10">
+            <a:extLst>
+              <a:ext uri="{FF2B5EF4-FFF2-40B4-BE49-F238E27FC236}">
+                <a16:creationId xmlns:a16="http://schemas.microsoft.com/office/drawing/2014/main" id="{E80C671B-CEFC-48B1-B0C3-46F236885E3B}"/>
+              </a:ext>
+            </a:extLst>
+          </p:cNvPr>
+          <p:cNvPicPr>
+            <a:picLocks noChangeAspect="1"/>
+          </p:cNvPicPr>
+          <p:nvPr/>
+        </p:nvPicPr>
+        <p:blipFill>
+          <a:blip r:embed="rId2"/>
+          <a:stretch>
+            <a:fillRect/>
+          </a:stretch>
+        </p:blipFill>
+        <p:spPr>
+          <a:xfrm>
+            <a:off x="8091980" y="381652"/>
+            <a:ext cx="3203547" cy="6180757"/>
+          </a:xfrm>
+          <a:prstGeom prst="rect">
+            <a:avLst/>
+          </a:prstGeom>
+        </p:spPr>
+      </p:pic>
+    </p:spTree>
+    <p:extLst>
+      <p:ext uri="{BB962C8B-B14F-4D97-AF65-F5344CB8AC3E}">
+        <p14:creationId xmlns:p14="http://schemas.microsoft.com/office/powerpoint/2010/main" val="503218095"/>
+      </p:ext>
+    </p:extLst>
+  </p:cSld>
+  <p:clrMapOvr>
+    <a:masterClrMapping/>
+  </p:clrMapOvr>
+</p:sld>
+</file>
+
+<file path=ppt/slides/slide9.xml><?xml version="1.0" encoding="utf-8"?>
+<p:sld xmlns:a="http://schemas.openxmlformats.org/drawingml/2006/main" xmlns:r="http://schemas.openxmlformats.org/officeDocument/2006/relationships" xmlns:p="http://schemas.openxmlformats.org/presentationml/2006/main">
+  <p:cSld>
+    <p:spTree>
+      <p:nvGrpSpPr>
+        <p:cNvPr id="1" name=""/>
+        <p:cNvGrpSpPr/>
+        <p:nvPr/>
+      </p:nvGrpSpPr>
+      <p:grpSpPr>
+        <a:xfrm>
+          <a:off x="0" y="0"/>
+          <a:ext cx="0" cy="0"/>
+          <a:chOff x="0" y="0"/>
+          <a:chExt cx="0" cy="0"/>
+        </a:xfrm>
+      </p:grpSpPr>
+      <p:sp>
+        <p:nvSpPr>
+          <p:cNvPr id="2" name="標題 1">
+            <a:extLst>
+              <a:ext uri="{FF2B5EF4-FFF2-40B4-BE49-F238E27FC236}">
+                <a16:creationId xmlns:a16="http://schemas.microsoft.com/office/drawing/2014/main" id="{1030F7F9-8D26-4D82-8049-FB0E917B4276}"/>
+              </a:ext>
+            </a:extLst>
+          </p:cNvPr>
+          <p:cNvSpPr>
+            <a:spLocks noGrp="1"/>
+          </p:cNvSpPr>
+          <p:nvPr>
+            <p:ph type="title"/>
+          </p:nvPr>
+        </p:nvSpPr>
+        <p:spPr/>
+        <p:txBody>
+          <a:bodyPr/>
+          <a:lstStyle/>
+          <a:p>
+            <a:endParaRPr lang="zh-TW" altLang="en-US"/>
+          </a:p>
+        </p:txBody>
+      </p:sp>
+      <p:sp>
+        <p:nvSpPr>
+          <p:cNvPr id="3" name="內容版面配置區 2">
+            <a:extLst>
+              <a:ext uri="{FF2B5EF4-FFF2-40B4-BE49-F238E27FC236}">
+                <a16:creationId xmlns:a16="http://schemas.microsoft.com/office/drawing/2014/main" id="{F8CDEE0E-9D44-4D22-85E6-29E49F79A8DE}"/>
+              </a:ext>
+            </a:extLst>
+          </p:cNvPr>
+          <p:cNvSpPr>
+            <a:spLocks noGrp="1"/>
+          </p:cNvSpPr>
+          <p:nvPr>
+            <p:ph idx="1"/>
+          </p:nvPr>
+        </p:nvSpPr>
+        <p:spPr/>
+        <p:txBody>
+          <a:bodyPr/>
+          <a:lstStyle/>
+          <a:p>
+            <a:endParaRPr lang="zh-TW" altLang="en-US"/>
+          </a:p>
+        </p:txBody>
+      </p:sp>
+    </p:spTree>
+    <p:extLst>
+      <p:ext uri="{BB962C8B-B14F-4D97-AF65-F5344CB8AC3E}">
+        <p14:creationId xmlns:p14="http://schemas.microsoft.com/office/powerpoint/2010/main" val="269557969"/>
       </p:ext>
     </p:extLst>
   </p:cSld>

--- a/network_monitor/netlink.pptx
+++ b/network_monitor/netlink.pptx
@@ -268,7 +268,7 @@
           <a:p>
             <a:fld id="{54E0DB81-608D-413B-ADCD-E118BC7A59DC}" type="datetimeFigureOut">
               <a:rPr lang="zh-TW" altLang="en-US" smtClean="0"/>
-              <a:t>2024/12/13</a:t>
+              <a:t>2024/12/16</a:t>
             </a:fld>
             <a:endParaRPr lang="zh-TW" altLang="en-US"/>
           </a:p>
@@ -466,7 +466,7 @@
           <a:p>
             <a:fld id="{54E0DB81-608D-413B-ADCD-E118BC7A59DC}" type="datetimeFigureOut">
               <a:rPr lang="zh-TW" altLang="en-US" smtClean="0"/>
-              <a:t>2024/12/13</a:t>
+              <a:t>2024/12/16</a:t>
             </a:fld>
             <a:endParaRPr lang="zh-TW" altLang="en-US"/>
           </a:p>
@@ -674,7 +674,7 @@
           <a:p>
             <a:fld id="{54E0DB81-608D-413B-ADCD-E118BC7A59DC}" type="datetimeFigureOut">
               <a:rPr lang="zh-TW" altLang="en-US" smtClean="0"/>
-              <a:t>2024/12/13</a:t>
+              <a:t>2024/12/16</a:t>
             </a:fld>
             <a:endParaRPr lang="zh-TW" altLang="en-US"/>
           </a:p>
@@ -872,7 +872,7 @@
           <a:p>
             <a:fld id="{54E0DB81-608D-413B-ADCD-E118BC7A59DC}" type="datetimeFigureOut">
               <a:rPr lang="zh-TW" altLang="en-US" smtClean="0"/>
-              <a:t>2024/12/13</a:t>
+              <a:t>2024/12/16</a:t>
             </a:fld>
             <a:endParaRPr lang="zh-TW" altLang="en-US"/>
           </a:p>
@@ -1147,7 +1147,7 @@
           <a:p>
             <a:fld id="{54E0DB81-608D-413B-ADCD-E118BC7A59DC}" type="datetimeFigureOut">
               <a:rPr lang="zh-TW" altLang="en-US" smtClean="0"/>
-              <a:t>2024/12/13</a:t>
+              <a:t>2024/12/16</a:t>
             </a:fld>
             <a:endParaRPr lang="zh-TW" altLang="en-US"/>
           </a:p>
@@ -1412,7 +1412,7 @@
           <a:p>
             <a:fld id="{54E0DB81-608D-413B-ADCD-E118BC7A59DC}" type="datetimeFigureOut">
               <a:rPr lang="zh-TW" altLang="en-US" smtClean="0"/>
-              <a:t>2024/12/13</a:t>
+              <a:t>2024/12/16</a:t>
             </a:fld>
             <a:endParaRPr lang="zh-TW" altLang="en-US"/>
           </a:p>
@@ -1824,7 +1824,7 @@
           <a:p>
             <a:fld id="{54E0DB81-608D-413B-ADCD-E118BC7A59DC}" type="datetimeFigureOut">
               <a:rPr lang="zh-TW" altLang="en-US" smtClean="0"/>
-              <a:t>2024/12/13</a:t>
+              <a:t>2024/12/16</a:t>
             </a:fld>
             <a:endParaRPr lang="zh-TW" altLang="en-US"/>
           </a:p>
@@ -1965,7 +1965,7 @@
           <a:p>
             <a:fld id="{54E0DB81-608D-413B-ADCD-E118BC7A59DC}" type="datetimeFigureOut">
               <a:rPr lang="zh-TW" altLang="en-US" smtClean="0"/>
-              <a:t>2024/12/13</a:t>
+              <a:t>2024/12/16</a:t>
             </a:fld>
             <a:endParaRPr lang="zh-TW" altLang="en-US"/>
           </a:p>
@@ -2078,7 +2078,7 @@
           <a:p>
             <a:fld id="{54E0DB81-608D-413B-ADCD-E118BC7A59DC}" type="datetimeFigureOut">
               <a:rPr lang="zh-TW" altLang="en-US" smtClean="0"/>
-              <a:t>2024/12/13</a:t>
+              <a:t>2024/12/16</a:t>
             </a:fld>
             <a:endParaRPr lang="zh-TW" altLang="en-US"/>
           </a:p>
@@ -2389,7 +2389,7 @@
           <a:p>
             <a:fld id="{54E0DB81-608D-413B-ADCD-E118BC7A59DC}" type="datetimeFigureOut">
               <a:rPr lang="zh-TW" altLang="en-US" smtClean="0"/>
-              <a:t>2024/12/13</a:t>
+              <a:t>2024/12/16</a:t>
             </a:fld>
             <a:endParaRPr lang="zh-TW" altLang="en-US"/>
           </a:p>
@@ -2677,7 +2677,7 @@
           <a:p>
             <a:fld id="{54E0DB81-608D-413B-ADCD-E118BC7A59DC}" type="datetimeFigureOut">
               <a:rPr lang="zh-TW" altLang="en-US" smtClean="0"/>
-              <a:t>2024/12/13</a:t>
+              <a:t>2024/12/16</a:t>
             </a:fld>
             <a:endParaRPr lang="zh-TW" altLang="en-US"/>
           </a:p>
@@ -2918,7 +2918,7 @@
           <a:p>
             <a:fld id="{54E0DB81-608D-413B-ADCD-E118BC7A59DC}" type="datetimeFigureOut">
               <a:rPr lang="zh-TW" altLang="en-US" smtClean="0"/>
-              <a:t>2024/12/13</a:t>
+              <a:t>2024/12/16</a:t>
             </a:fld>
             <a:endParaRPr lang="zh-TW" altLang="en-US"/>
           </a:p>
@@ -3448,20 +3448,6 @@
             </a:pPr>
             <a:r>
               <a:rPr lang="zh-CN" altLang="en-US" sz="2400" dirty="0"/>
-              <a:t>主要步驟</a:t>
-            </a:r>
-            <a:endParaRPr lang="en-US" altLang="zh-CN" sz="2400" dirty="0"/>
-          </a:p>
-          <a:p>
-            <a:pPr marL="285750" indent="-285750">
-              <a:lnSpc>
-                <a:spcPct val="150000"/>
-              </a:lnSpc>
-              <a:buFont typeface="Wingdings" panose="05000000000000000000" pitchFamily="2" charset="2"/>
-              <a:buChar char="l"/>
-            </a:pPr>
-            <a:r>
-              <a:rPr lang="zh-CN" altLang="en-US" sz="2400" dirty="0"/>
               <a:t>代碼實現</a:t>
             </a:r>
             <a:endParaRPr lang="en-US" altLang="zh-CN" sz="2400" dirty="0"/>
@@ -3517,35 +3503,10 @@
       </p:grpSpPr>
       <p:sp>
         <p:nvSpPr>
-          <p:cNvPr id="2" name="標題 1">
-            <a:extLst>
-              <a:ext uri="{FF2B5EF4-FFF2-40B4-BE49-F238E27FC236}">
-                <a16:creationId xmlns:a16="http://schemas.microsoft.com/office/drawing/2014/main" id="{9CA55019-A958-4ACA-94B2-5FC253B9FF3E}"/>
-              </a:ext>
-            </a:extLst>
-          </p:cNvPr>
-          <p:cNvSpPr>
-            <a:spLocks noGrp="1"/>
-          </p:cNvSpPr>
-          <p:nvPr>
-            <p:ph type="title"/>
-          </p:nvPr>
-        </p:nvSpPr>
-        <p:spPr/>
-        <p:txBody>
-          <a:bodyPr/>
-          <a:lstStyle/>
-          <a:p>
-            <a:endParaRPr lang="zh-TW" altLang="en-US"/>
-          </a:p>
-        </p:txBody>
-      </p:sp>
-      <p:sp>
-        <p:nvSpPr>
-          <p:cNvPr id="3" name="內容版面配置區 2">
-            <a:extLst>
-              <a:ext uri="{FF2B5EF4-FFF2-40B4-BE49-F238E27FC236}">
-                <a16:creationId xmlns:a16="http://schemas.microsoft.com/office/drawing/2014/main" id="{4A517A9E-9D0C-4546-831A-A2CCA9C52E77}"/>
+          <p:cNvPr id="7" name="內容版面配置區 6">
+            <a:extLst>
+              <a:ext uri="{FF2B5EF4-FFF2-40B4-BE49-F238E27FC236}">
+                <a16:creationId xmlns:a16="http://schemas.microsoft.com/office/drawing/2014/main" id="{84CF664B-17CB-4586-B03A-A7C8E6C29F15}"/>
               </a:ext>
             </a:extLst>
           </p:cNvPr>
@@ -3556,15 +3517,130 @@
             <p:ph idx="1"/>
           </p:nvPr>
         </p:nvSpPr>
-        <p:spPr/>
+        <p:spPr>
+          <a:xfrm>
+            <a:off x="838200" y="268940"/>
+            <a:ext cx="10515600" cy="6508377"/>
+          </a:xfrm>
+        </p:spPr>
         <p:txBody>
           <a:bodyPr/>
           <a:lstStyle/>
           <a:p>
-            <a:endParaRPr lang="zh-TW" altLang="en-US"/>
+            <a:endParaRPr lang="en-US" altLang="zh-CN" dirty="0"/>
+          </a:p>
+          <a:p>
+            <a:endParaRPr lang="en-US" altLang="zh-CN" dirty="0"/>
+          </a:p>
+          <a:p>
+            <a:endParaRPr lang="en-US" altLang="zh-CN" dirty="0"/>
+          </a:p>
+          <a:p>
+            <a:endParaRPr lang="en-US" altLang="zh-CN" dirty="0"/>
+          </a:p>
+          <a:p>
+            <a:endParaRPr lang="en-US" altLang="zh-CN" dirty="0"/>
+          </a:p>
+          <a:p>
+            <a:endParaRPr lang="en-US" altLang="zh-CN" dirty="0"/>
+          </a:p>
+          <a:p>
+            <a:endParaRPr lang="en-US" altLang="zh-CN" dirty="0"/>
+          </a:p>
+          <a:p>
+            <a:pPr marL="0" indent="0">
+              <a:buNone/>
+            </a:pPr>
+            <a:r>
+              <a:rPr lang="en-US" altLang="zh-CN" sz="2000" dirty="0"/>
+              <a:t>2.2</a:t>
+            </a:r>
+            <a:r>
+              <a:rPr lang="zh-CN" altLang="en-US" sz="2000" dirty="0"/>
+              <a:t>插上網線</a:t>
+            </a:r>
+            <a:endParaRPr lang="en-US" altLang="zh-CN" sz="2000" dirty="0"/>
+          </a:p>
+          <a:p>
+            <a:pPr marL="0" indent="0">
+              <a:buNone/>
+            </a:pPr>
+            <a:endParaRPr lang="zh-TW" altLang="en-US" sz="2000" dirty="0"/>
           </a:p>
         </p:txBody>
       </p:sp>
+      <p:pic>
+        <p:nvPicPr>
+          <p:cNvPr id="8" name="內容版面配置區 4">
+            <a:extLst>
+              <a:ext uri="{FF2B5EF4-FFF2-40B4-BE49-F238E27FC236}">
+                <a16:creationId xmlns:a16="http://schemas.microsoft.com/office/drawing/2014/main" id="{0C7C81BE-BE16-454C-9193-0DC403FE0903}"/>
+              </a:ext>
+            </a:extLst>
+          </p:cNvPr>
+          <p:cNvPicPr>
+            <a:picLocks noChangeAspect="1"/>
+          </p:cNvPicPr>
+          <p:nvPr/>
+        </p:nvPicPr>
+        <p:blipFill>
+          <a:blip r:embed="rId2">
+            <a:extLst>
+              <a:ext uri="{28A0092B-C50C-407E-A947-70E740481C1C}">
+                <a14:useLocalDpi xmlns:a14="http://schemas.microsoft.com/office/drawing/2010/main" val="0"/>
+              </a:ext>
+            </a:extLst>
+          </a:blip>
+          <a:stretch>
+            <a:fillRect/>
+          </a:stretch>
+        </p:blipFill>
+        <p:spPr>
+          <a:xfrm>
+            <a:off x="1184179" y="582311"/>
+            <a:ext cx="7135200" cy="2943508"/>
+          </a:xfrm>
+          <a:prstGeom prst="rect">
+            <a:avLst/>
+          </a:prstGeom>
+        </p:spPr>
+      </p:pic>
+      <p:pic>
+        <p:nvPicPr>
+          <p:cNvPr id="10" name="圖片 9">
+            <a:extLst>
+              <a:ext uri="{FF2B5EF4-FFF2-40B4-BE49-F238E27FC236}">
+                <a16:creationId xmlns:a16="http://schemas.microsoft.com/office/drawing/2014/main" id="{59F883D7-031C-4C91-AD75-BB4CF01FBA04}"/>
+              </a:ext>
+            </a:extLst>
+          </p:cNvPr>
+          <p:cNvPicPr>
+            <a:picLocks noChangeAspect="1"/>
+          </p:cNvPicPr>
+          <p:nvPr/>
+        </p:nvPicPr>
+        <p:blipFill>
+          <a:blip r:embed="rId3">
+            <a:extLst>
+              <a:ext uri="{28A0092B-C50C-407E-A947-70E740481C1C}">
+                <a14:useLocalDpi xmlns:a14="http://schemas.microsoft.com/office/drawing/2010/main" val="0"/>
+              </a:ext>
+            </a:extLst>
+          </a:blip>
+          <a:stretch>
+            <a:fillRect/>
+          </a:stretch>
+        </p:blipFill>
+        <p:spPr>
+          <a:xfrm>
+            <a:off x="1185154" y="4216998"/>
+            <a:ext cx="7134225" cy="2372062"/>
+          </a:xfrm>
+          <a:prstGeom prst="rect">
+            <a:avLst/>
+          </a:prstGeom>
+        </p:spPr>
+      </p:pic>
     </p:spTree>
     <p:extLst>
       <p:ext uri="{BB962C8B-B14F-4D97-AF65-F5344CB8AC3E}">
@@ -3611,7 +3687,12 @@
             <p:ph type="title"/>
           </p:nvPr>
         </p:nvSpPr>
-        <p:spPr/>
+        <p:spPr>
+          <a:xfrm>
+            <a:off x="580913" y="365125"/>
+            <a:ext cx="10772887" cy="1325563"/>
+          </a:xfrm>
+        </p:spPr>
         <p:txBody>
           <a:bodyPr/>
           <a:lstStyle/>
@@ -3650,8 +3731,8 @@
         </p:nvSpPr>
         <p:spPr>
           <a:xfrm>
-            <a:off x="473336" y="1463040"/>
-            <a:ext cx="11349318" cy="5292762"/>
+            <a:off x="580912" y="1463040"/>
+            <a:ext cx="11241741" cy="5292762"/>
           </a:xfrm>
         </p:spPr>
         <p:txBody>
@@ -4545,6 +4626,10 @@
           <a:lstStyle/>
           <a:p>
             <a:r>
+              <a:rPr lang="en-US" altLang="zh-CN" sz="4000" dirty="0"/>
+              <a:t>2.</a:t>
+            </a:r>
+            <a:r>
               <a:rPr lang="zh-CN" altLang="en-US" sz="4000" dirty="0"/>
               <a:t>整體架構</a:t>
             </a:r>
@@ -4844,6 +4929,10 @@
           <a:lstStyle/>
           <a:p>
             <a:r>
+              <a:rPr lang="en-US" altLang="zh-CN" sz="4000" dirty="0"/>
+              <a:t>3.</a:t>
+            </a:r>
+            <a:r>
               <a:rPr lang="zh-CN" altLang="en-US" sz="4000" dirty="0"/>
               <a:t>核心數據結構</a:t>
             </a:r>
@@ -6270,8 +6359,12 @@
           <a:lstStyle/>
           <a:p>
             <a:r>
+              <a:rPr lang="en-US" altLang="zh-CN" sz="4000" dirty="0"/>
+              <a:t>4.</a:t>
+            </a:r>
+            <a:r>
               <a:rPr lang="zh-CN" altLang="en-US" sz="4000" dirty="0"/>
-              <a:t>實現步驟</a:t>
+              <a:t>代碼實現</a:t>
             </a:r>
             <a:endParaRPr lang="zh-TW" altLang="en-US" sz="4000" dirty="0"/>
           </a:p>
@@ -7493,12 +7586,27 @@
             <p:ph type="title"/>
           </p:nvPr>
         </p:nvSpPr>
-        <p:spPr/>
+        <p:spPr>
+          <a:xfrm>
+            <a:off x="644563" y="365125"/>
+            <a:ext cx="10515600" cy="990339"/>
+          </a:xfrm>
+        </p:spPr>
         <p:txBody>
-          <a:bodyPr/>
+          <a:bodyPr>
+            <a:normAutofit/>
+          </a:bodyPr>
           <a:lstStyle/>
           <a:p>
-            <a:endParaRPr lang="zh-TW" altLang="en-US"/>
+            <a:r>
+              <a:rPr lang="en-US" altLang="zh-CN" sz="4000" dirty="0"/>
+              <a:t>5.</a:t>
+            </a:r>
+            <a:r>
+              <a:rPr lang="zh-CN" altLang="en-US" sz="4000" dirty="0"/>
+              <a:t>測試驗證</a:t>
+            </a:r>
+            <a:endParaRPr lang="zh-TW" altLang="en-US" sz="4000" dirty="0"/>
           </a:p>
         </p:txBody>
       </p:sp>
@@ -7518,15 +7626,121 @@
             <p:ph idx="1"/>
           </p:nvPr>
         </p:nvSpPr>
-        <p:spPr/>
+        <p:spPr>
+          <a:xfrm>
+            <a:off x="838200" y="1129554"/>
+            <a:ext cx="10515600" cy="5486400"/>
+          </a:xfrm>
+        </p:spPr>
         <p:txBody>
           <a:bodyPr/>
           <a:lstStyle/>
           <a:p>
-            <a:endParaRPr lang="zh-TW" altLang="en-US"/>
+            <a:pPr marL="0" indent="0">
+              <a:buNone/>
+            </a:pPr>
+            <a:r>
+              <a:rPr lang="en-US" altLang="zh-CN" dirty="0"/>
+              <a:t>1.</a:t>
+            </a:r>
+            <a:r>
+              <a:rPr lang="zh-CN" altLang="en-US" dirty="0"/>
+              <a:t>測試環境</a:t>
+            </a:r>
+            <a:endParaRPr lang="en-US" altLang="zh-CN" dirty="0"/>
+          </a:p>
+          <a:p>
+            <a:pPr lvl="1"/>
+            <a:r>
+              <a:rPr lang="zh-CN" altLang="en-US" dirty="0"/>
+              <a:t>操作系統：</a:t>
+            </a:r>
+            <a:r>
+              <a:rPr lang="en-US" altLang="zh-CN" dirty="0"/>
+              <a:t>Ubuntu 22.04</a:t>
+            </a:r>
+          </a:p>
+          <a:p>
+            <a:pPr marL="0" indent="0">
+              <a:buNone/>
+            </a:pPr>
+            <a:r>
+              <a:rPr lang="en-US" altLang="zh-CN" dirty="0"/>
+              <a:t>2.</a:t>
+            </a:r>
+            <a:r>
+              <a:rPr lang="zh-CN" altLang="en-US" dirty="0"/>
+              <a:t>測試結果</a:t>
+            </a:r>
+            <a:endParaRPr lang="en-US" altLang="zh-CN" dirty="0"/>
+          </a:p>
+          <a:p>
+            <a:pPr marL="0" indent="0">
+              <a:buNone/>
+            </a:pPr>
+            <a:r>
+              <a:rPr lang="en-US" altLang="zh-CN" sz="2000" dirty="0"/>
+              <a:t>2.1</a:t>
+            </a:r>
+            <a:r>
+              <a:rPr lang="zh-CN" altLang="en-US" sz="2000" dirty="0"/>
+              <a:t>拔出網線</a:t>
+            </a:r>
+            <a:endParaRPr lang="en-US" altLang="zh-CN" sz="2000" dirty="0"/>
+          </a:p>
+          <a:p>
+            <a:pPr marL="0" indent="0">
+              <a:buNone/>
+            </a:pPr>
+            <a:endParaRPr lang="en-US" altLang="zh-CN" sz="2000" dirty="0"/>
+          </a:p>
+          <a:p>
+            <a:pPr marL="0" indent="0">
+              <a:buNone/>
+            </a:pPr>
+            <a:endParaRPr lang="en-US" altLang="zh-CN" sz="2000" dirty="0"/>
+          </a:p>
+          <a:p>
+            <a:endParaRPr lang="zh-TW" altLang="en-US" dirty="0"/>
           </a:p>
         </p:txBody>
       </p:sp>
+      <p:pic>
+        <p:nvPicPr>
+          <p:cNvPr id="7" name="圖片 6">
+            <a:extLst>
+              <a:ext uri="{FF2B5EF4-FFF2-40B4-BE49-F238E27FC236}">
+                <a16:creationId xmlns:a16="http://schemas.microsoft.com/office/drawing/2014/main" id="{9C034323-6DD4-44A6-93E0-7FA5718DAB48}"/>
+              </a:ext>
+            </a:extLst>
+          </p:cNvPr>
+          <p:cNvPicPr>
+            <a:picLocks noChangeAspect="1"/>
+          </p:cNvPicPr>
+          <p:nvPr/>
+        </p:nvPicPr>
+        <p:blipFill>
+          <a:blip r:embed="rId2">
+            <a:extLst>
+              <a:ext uri="{28A0092B-C50C-407E-A947-70E740481C1C}">
+                <a14:useLocalDpi xmlns:a14="http://schemas.microsoft.com/office/drawing/2010/main" val="0"/>
+              </a:ext>
+            </a:extLst>
+          </a:blip>
+          <a:stretch>
+            <a:fillRect/>
+          </a:stretch>
+        </p:blipFill>
+        <p:spPr>
+          <a:xfrm>
+            <a:off x="1431607" y="3429000"/>
+            <a:ext cx="7134225" cy="2944794"/>
+          </a:xfrm>
+          <a:prstGeom prst="rect">
+            <a:avLst/>
+          </a:prstGeom>
+        </p:spPr>
+      </p:pic>
     </p:spTree>
     <p:extLst>
       <p:ext uri="{BB962C8B-B14F-4D97-AF65-F5344CB8AC3E}">
